--- a/Daten zusammentragen für die Abgabe/Präsentation/Presentation_01.pptx
+++ b/Daten zusammentragen für die Abgabe/Präsentation/Presentation_01.pptx
@@ -25196,19 +25196,7 @@
             <a:endParaRPr lang="de-DE" dirty="0"/>
           </a:p>
           <a:p>
-            <a:pPr marR="0" lvl="0" algn="l" rtl="0">
-              <a:lnSpc>
-                <a:spcPct val="100000"/>
-              </a:lnSpc>
-              <a:spcBef>
-                <a:spcPts val="0"/>
-              </a:spcBef>
-              <a:spcAft>
-                <a:spcPts val="0"/>
-              </a:spcAft>
-              <a:buClr>
-                <a:srgbClr val="000000"/>
-              </a:buClr>
+            <a:pPr lvl="0">
               <a:buSzPts val="1600"/>
             </a:pPr>
             <a:r>
@@ -25233,7 +25221,7 @@
                   <a:schemeClr val="lt1"/>
                 </a:solidFill>
               </a:rPr>
-              <a:t>, vor Feiertag, Feiertag und nach Feiertag</a:t>
+              <a:t>, vor Feiertag, Feiertag, nach Feiertag und 1.-3. Weihnachtsfeiertag</a:t>
             </a:r>
           </a:p>
           <a:p>
@@ -25697,7 +25685,7 @@
                   <a:schemeClr val="lt1"/>
                 </a:solidFill>
               </a:rPr>
-              <a:t>, vor Feiertag, Feiertag und nach Feiertag</a:t>
+              <a:t>, vor Feiertag, Feiertag, nach Feiertag und 1.-3. Weihnachtsfeiertag</a:t>
             </a:r>
           </a:p>
           <a:p>
@@ -26965,36 +26953,19 @@
           </a:bodyPr>
           <a:lstStyle/>
           <a:p>
-            <a:pPr marL="0" marR="0" lvl="0" indent="0" algn="l" rtl="0">
-              <a:lnSpc>
-                <a:spcPct val="100000"/>
-              </a:lnSpc>
-              <a:spcBef>
-                <a:spcPts val="0"/>
-              </a:spcBef>
-              <a:spcAft>
-                <a:spcPts val="0"/>
-              </a:spcAft>
-              <a:buClr>
-                <a:schemeClr val="lt2"/>
-              </a:buClr>
-              <a:buSzPts val="1400"/>
-              <a:buFont typeface="Century Gothic"/>
-              <a:buNone/>
-            </a:pPr>
+            <a:pPr lvl="0"/>
             <a:r>
-              <a:rPr lang="en-US" sz="4200" b="0" i="0" u="none" strike="noStrike" cap="none">
-                <a:solidFill>
-                  <a:schemeClr val="lt2"/>
-                </a:solidFill>
-                <a:latin typeface="Century Gothic"/>
-                <a:ea typeface="Century Gothic"/>
-                <a:cs typeface="Century Gothic"/>
-                <a:sym typeface="Century Gothic"/>
-              </a:rPr>
-              <a:t>Input Data</a:t>
+              <a:rPr lang="de-DE" dirty="0"/>
+              <a:t>Ergebnisse der Schätzung einer SVM (MAPE je Warengruppe und Warengruppenumsätze</a:t>
             </a:r>
-            <a:endParaRPr/>
+            <a:br>
+              <a:rPr lang="de-DE" dirty="0"/>
+            </a:br>
+            <a:r>
+              <a:rPr lang="de-DE" dirty="0"/>
+              <a:t>für den 01.06.2019)</a:t>
+            </a:r>
+            <a:endParaRPr dirty="0"/>
           </a:p>
         </p:txBody>
       </p:sp>
@@ -27068,1386 +27039,35 @@
           </a:p>
         </p:txBody>
       </p:sp>
-      <p:graphicFrame>
-        <p:nvGraphicFramePr>
-          <p:cNvPr id="124" name="Shape 124"/>
-          <p:cNvGraphicFramePr/>
+      <p:pic>
+        <p:nvPicPr>
+          <p:cNvPr id="3" name="Grafik 2" descr="How to Interpret Regression Analysis Results: P-values and Coefficients - Mozilla Firefox">
+            <a:extLst>
+              <a:ext uri="{FF2B5EF4-FFF2-40B4-BE49-F238E27FC236}">
+                <a16:creationId xmlns:a16="http://schemas.microsoft.com/office/drawing/2014/main" id="{FC14CA50-897E-4EB3-8B9A-E4BCD6C94730}"/>
+              </a:ext>
+            </a:extLst>
+          </p:cNvPr>
+          <p:cNvPicPr>
+            <a:picLocks noChangeAspect="1"/>
+          </p:cNvPicPr>
           <p:nvPr/>
-        </p:nvGraphicFramePr>
-        <p:xfrm>
-          <a:off x="180975" y="1485900"/>
-          <a:ext cx="8782050" cy="5169674"/>
-        </p:xfrm>
-        <a:graphic>
-          <a:graphicData uri="http://schemas.openxmlformats.org/drawingml/2006/table">
-            <a:tbl>
-              <a:tblPr firstRow="1" bandRow="1">
-                <a:noFill/>
-                <a:tableStyleId>{1A96818F-306E-444A-A2EF-F316D5CB3B41}</a:tableStyleId>
-              </a:tblPr>
-              <a:tblGrid>
-                <a:gridCol w="1016325">
-                  <a:extLst>
-                    <a:ext uri="{9D8B030D-6E8A-4147-A177-3AD203B41FA5}">
-                      <a16:colId xmlns:a16="http://schemas.microsoft.com/office/drawing/2014/main" val="20000"/>
-                    </a:ext>
-                  </a:extLst>
-                </a:gridCol>
-                <a:gridCol w="964325">
-                  <a:extLst>
-                    <a:ext uri="{9D8B030D-6E8A-4147-A177-3AD203B41FA5}">
-                      <a16:colId xmlns:a16="http://schemas.microsoft.com/office/drawing/2014/main" val="20001"/>
-                    </a:ext>
-                  </a:extLst>
-                </a:gridCol>
-                <a:gridCol w="1205425">
-                  <a:extLst>
-                    <a:ext uri="{9D8B030D-6E8A-4147-A177-3AD203B41FA5}">
-                      <a16:colId xmlns:a16="http://schemas.microsoft.com/office/drawing/2014/main" val="20002"/>
-                    </a:ext>
-                  </a:extLst>
-                </a:gridCol>
-                <a:gridCol w="5595975">
-                  <a:extLst>
-                    <a:ext uri="{9D8B030D-6E8A-4147-A177-3AD203B41FA5}">
-                      <a16:colId xmlns:a16="http://schemas.microsoft.com/office/drawing/2014/main" val="20003"/>
-                    </a:ext>
-                  </a:extLst>
-                </a:gridCol>
-              </a:tblGrid>
-              <a:tr h="389625">
-                <a:tc>
-                  <a:txBody>
-                    <a:bodyPr/>
-                    <a:lstStyle/>
-                    <a:p>
-                      <a:pPr marL="0" marR="0" lvl="0" indent="0" algn="l" rtl="0">
-                        <a:lnSpc>
-                          <a:spcPct val="115000"/>
-                        </a:lnSpc>
-                        <a:spcBef>
-                          <a:spcPts val="0"/>
-                        </a:spcBef>
-                        <a:spcAft>
-                          <a:spcPts val="0"/>
-                        </a:spcAft>
-                        <a:buNone/>
-                      </a:pPr>
-                      <a:r>
-                        <a:rPr lang="en-US" sz="1200" u="none" strike="noStrike" cap="none"/>
-                        <a:t>Name</a:t>
-                      </a:r>
-                      <a:endParaRPr sz="1100" u="none" strike="noStrike" cap="none">
-                        <a:latin typeface="Calibri"/>
-                        <a:ea typeface="Calibri"/>
-                        <a:cs typeface="Calibri"/>
-                        <a:sym typeface="Calibri"/>
-                      </a:endParaRPr>
-                    </a:p>
-                  </a:txBody>
-                  <a:tcPr marL="40925" marR="40925" marT="0" marB="0"/>
-                </a:tc>
-                <a:tc>
-                  <a:txBody>
-                    <a:bodyPr/>
-                    <a:lstStyle/>
-                    <a:p>
-                      <a:pPr marL="0" marR="0" lvl="0" indent="0" algn="l" rtl="0">
-                        <a:lnSpc>
-                          <a:spcPct val="115000"/>
-                        </a:lnSpc>
-                        <a:spcBef>
-                          <a:spcPts val="0"/>
-                        </a:spcBef>
-                        <a:spcAft>
-                          <a:spcPts val="0"/>
-                        </a:spcAft>
-                        <a:buNone/>
-                      </a:pPr>
-                      <a:r>
-                        <a:rPr lang="en-US" sz="1200" u="none" strike="noStrike" cap="none"/>
-                        <a:t>Type</a:t>
-                      </a:r>
-                      <a:endParaRPr sz="1100" u="none" strike="noStrike" cap="none">
-                        <a:latin typeface="Calibri"/>
-                        <a:ea typeface="Calibri"/>
-                        <a:cs typeface="Calibri"/>
-                        <a:sym typeface="Calibri"/>
-                      </a:endParaRPr>
-                    </a:p>
-                  </a:txBody>
-                  <a:tcPr marL="40925" marR="40925" marT="0" marB="0"/>
-                </a:tc>
-                <a:tc>
-                  <a:txBody>
-                    <a:bodyPr/>
-                    <a:lstStyle/>
-                    <a:p>
-                      <a:pPr marL="0" marR="0" lvl="0" indent="0" algn="l" rtl="0">
-                        <a:lnSpc>
-                          <a:spcPct val="115000"/>
-                        </a:lnSpc>
-                        <a:spcBef>
-                          <a:spcPts val="0"/>
-                        </a:spcBef>
-                        <a:spcAft>
-                          <a:spcPts val="0"/>
-                        </a:spcAft>
-                        <a:buNone/>
-                      </a:pPr>
-                      <a:r>
-                        <a:rPr lang="en-US" sz="1200" u="none" strike="noStrike" cap="none"/>
-                        <a:t>Spatial Resolution</a:t>
-                      </a:r>
-                      <a:endParaRPr sz="1100" u="none" strike="noStrike" cap="none">
-                        <a:latin typeface="Calibri"/>
-                        <a:ea typeface="Calibri"/>
-                        <a:cs typeface="Calibri"/>
-                        <a:sym typeface="Calibri"/>
-                      </a:endParaRPr>
-                    </a:p>
-                  </a:txBody>
-                  <a:tcPr marL="40925" marR="40925" marT="0" marB="0"/>
-                </a:tc>
-                <a:tc>
-                  <a:txBody>
-                    <a:bodyPr/>
-                    <a:lstStyle/>
-                    <a:p>
-                      <a:pPr marL="0" marR="0" lvl="0" indent="0" algn="l" rtl="0">
-                        <a:lnSpc>
-                          <a:spcPct val="115000"/>
-                        </a:lnSpc>
-                        <a:spcBef>
-                          <a:spcPts val="0"/>
-                        </a:spcBef>
-                        <a:spcAft>
-                          <a:spcPts val="0"/>
-                        </a:spcAft>
-                        <a:buNone/>
-                      </a:pPr>
-                      <a:r>
-                        <a:rPr lang="en-US" sz="1200" u="none" strike="noStrike" cap="none"/>
-                        <a:t>Source</a:t>
-                      </a:r>
-                      <a:endParaRPr sz="1100" u="none" strike="noStrike" cap="none">
-                        <a:latin typeface="Calibri"/>
-                        <a:ea typeface="Calibri"/>
-                        <a:cs typeface="Calibri"/>
-                        <a:sym typeface="Calibri"/>
-                      </a:endParaRPr>
-                    </a:p>
-                  </a:txBody>
-                  <a:tcPr marL="40925" marR="40925" marT="0" marB="0"/>
-                </a:tc>
-                <a:extLst>
-                  <a:ext uri="{0D108BD9-81ED-4DB2-BD59-A6C34878D82A}">
-                    <a16:rowId xmlns:a16="http://schemas.microsoft.com/office/drawing/2014/main" val="10000"/>
-                  </a:ext>
-                </a:extLst>
-              </a:tr>
-              <a:tr h="500050">
-                <a:tc>
-                  <a:txBody>
-                    <a:bodyPr/>
-                    <a:lstStyle/>
-                    <a:p>
-                      <a:pPr marL="0" marR="0" lvl="0" indent="0" algn="l" rtl="0">
-                        <a:lnSpc>
-                          <a:spcPct val="115000"/>
-                        </a:lnSpc>
-                        <a:spcBef>
-                          <a:spcPts val="0"/>
-                        </a:spcBef>
-                        <a:spcAft>
-                          <a:spcPts val="0"/>
-                        </a:spcAft>
-                        <a:buNone/>
-                      </a:pPr>
-                      <a:r>
-                        <a:rPr lang="en-US" sz="1200" u="none" strike="noStrike" cap="none"/>
-                        <a:t>Land cover 2001</a:t>
-                      </a:r>
-                      <a:endParaRPr sz="1100" u="none" strike="noStrike" cap="none">
-                        <a:latin typeface="Calibri"/>
-                        <a:ea typeface="Calibri"/>
-                        <a:cs typeface="Calibri"/>
-                        <a:sym typeface="Calibri"/>
-                      </a:endParaRPr>
-                    </a:p>
-                  </a:txBody>
-                  <a:tcPr marL="40925" marR="40925" marT="0" marB="0"/>
-                </a:tc>
-                <a:tc>
-                  <a:txBody>
-                    <a:bodyPr/>
-                    <a:lstStyle/>
-                    <a:p>
-                      <a:pPr marL="0" marR="0" lvl="0" indent="0" algn="l" rtl="0">
-                        <a:lnSpc>
-                          <a:spcPct val="115000"/>
-                        </a:lnSpc>
-                        <a:spcBef>
-                          <a:spcPts val="0"/>
-                        </a:spcBef>
-                        <a:spcAft>
-                          <a:spcPts val="0"/>
-                        </a:spcAft>
-                        <a:buNone/>
-                      </a:pPr>
-                      <a:r>
-                        <a:rPr lang="en-US" sz="1200" u="none" strike="noStrike" cap="none"/>
-                        <a:t>Raster</a:t>
-                      </a:r>
-                      <a:endParaRPr sz="1100" u="none" strike="noStrike" cap="none">
-                        <a:latin typeface="Calibri"/>
-                        <a:ea typeface="Calibri"/>
-                        <a:cs typeface="Calibri"/>
-                        <a:sym typeface="Calibri"/>
-                      </a:endParaRPr>
-                    </a:p>
-                  </a:txBody>
-                  <a:tcPr marL="40925" marR="40925" marT="0" marB="0"/>
-                </a:tc>
-                <a:tc>
-                  <a:txBody>
-                    <a:bodyPr/>
-                    <a:lstStyle/>
-                    <a:p>
-                      <a:pPr marL="0" marR="0" lvl="0" indent="0" algn="l" rtl="0">
-                        <a:lnSpc>
-                          <a:spcPct val="115000"/>
-                        </a:lnSpc>
-                        <a:spcBef>
-                          <a:spcPts val="0"/>
-                        </a:spcBef>
-                        <a:spcAft>
-                          <a:spcPts val="0"/>
-                        </a:spcAft>
-                        <a:buNone/>
-                      </a:pPr>
-                      <a:r>
-                        <a:rPr lang="en-US" sz="1200" u="none" strike="noStrike" cap="none"/>
-                        <a:t>30m</a:t>
-                      </a:r>
-                      <a:endParaRPr sz="1100" u="none" strike="noStrike" cap="none">
-                        <a:latin typeface="Calibri"/>
-                        <a:ea typeface="Calibri"/>
-                        <a:cs typeface="Calibri"/>
-                        <a:sym typeface="Calibri"/>
-                      </a:endParaRPr>
-                    </a:p>
-                  </a:txBody>
-                  <a:tcPr marL="40925" marR="40925" marT="0" marB="0"/>
-                </a:tc>
-                <a:tc>
-                  <a:txBody>
-                    <a:bodyPr/>
-                    <a:lstStyle/>
-                    <a:p>
-                      <a:pPr marL="0" marR="0" lvl="0" indent="0" algn="l" rtl="0">
-                        <a:lnSpc>
-                          <a:spcPct val="115000"/>
-                        </a:lnSpc>
-                        <a:spcBef>
-                          <a:spcPts val="0"/>
-                        </a:spcBef>
-                        <a:spcAft>
-                          <a:spcPts val="0"/>
-                        </a:spcAft>
-                        <a:buNone/>
-                      </a:pPr>
-                      <a:r>
-                        <a:rPr lang="en-US" sz="1200" u="none" strike="noStrike" cap="none"/>
-                        <a:t>https://www.mrlc.gov/nlcd01_data.php</a:t>
-                      </a:r>
-                      <a:endParaRPr sz="1100" u="none" strike="noStrike" cap="none"/>
-                    </a:p>
-                    <a:p>
-                      <a:pPr marL="0" marR="0" lvl="0" indent="0" algn="l" rtl="0">
-                        <a:lnSpc>
-                          <a:spcPct val="115000"/>
-                        </a:lnSpc>
-                        <a:spcBef>
-                          <a:spcPts val="0"/>
-                        </a:spcBef>
-                        <a:spcAft>
-                          <a:spcPts val="0"/>
-                        </a:spcAft>
-                        <a:buNone/>
-                      </a:pPr>
-                      <a:r>
-                        <a:rPr lang="en-US" sz="1200" u="none" strike="noStrike" cap="none"/>
-                        <a:t> </a:t>
-                      </a:r>
-                      <a:endParaRPr sz="1100" u="none" strike="noStrike" cap="none">
-                        <a:latin typeface="Calibri"/>
-                        <a:ea typeface="Calibri"/>
-                        <a:cs typeface="Calibri"/>
-                        <a:sym typeface="Calibri"/>
-                      </a:endParaRPr>
-                    </a:p>
-                  </a:txBody>
-                  <a:tcPr marL="40925" marR="40925" marT="0" marB="0"/>
-                </a:tc>
-                <a:extLst>
-                  <a:ext uri="{0D108BD9-81ED-4DB2-BD59-A6C34878D82A}">
-                    <a16:rowId xmlns:a16="http://schemas.microsoft.com/office/drawing/2014/main" val="10001"/>
-                  </a:ext>
-                </a:extLst>
-              </a:tr>
-              <a:tr h="500050">
-                <a:tc>
-                  <a:txBody>
-                    <a:bodyPr/>
-                    <a:lstStyle/>
-                    <a:p>
-                      <a:pPr marL="0" marR="0" lvl="0" indent="0" algn="l" rtl="0">
-                        <a:lnSpc>
-                          <a:spcPct val="115000"/>
-                        </a:lnSpc>
-                        <a:spcBef>
-                          <a:spcPts val="0"/>
-                        </a:spcBef>
-                        <a:spcAft>
-                          <a:spcPts val="0"/>
-                        </a:spcAft>
-                        <a:buNone/>
-                      </a:pPr>
-                      <a:r>
-                        <a:rPr lang="en-US" sz="1200" u="none" strike="noStrike" cap="none"/>
-                        <a:t>Land cover 2006</a:t>
-                      </a:r>
-                      <a:endParaRPr sz="1100" u="none" strike="noStrike" cap="none">
-                        <a:latin typeface="Calibri"/>
-                        <a:ea typeface="Calibri"/>
-                        <a:cs typeface="Calibri"/>
-                        <a:sym typeface="Calibri"/>
-                      </a:endParaRPr>
-                    </a:p>
-                  </a:txBody>
-                  <a:tcPr marL="40925" marR="40925" marT="0" marB="0"/>
-                </a:tc>
-                <a:tc>
-                  <a:txBody>
-                    <a:bodyPr/>
-                    <a:lstStyle/>
-                    <a:p>
-                      <a:pPr marL="0" marR="0" lvl="0" indent="0" algn="l" rtl="0">
-                        <a:lnSpc>
-                          <a:spcPct val="115000"/>
-                        </a:lnSpc>
-                        <a:spcBef>
-                          <a:spcPts val="0"/>
-                        </a:spcBef>
-                        <a:spcAft>
-                          <a:spcPts val="0"/>
-                        </a:spcAft>
-                        <a:buNone/>
-                      </a:pPr>
-                      <a:r>
-                        <a:rPr lang="en-US" sz="1200" u="none" strike="noStrike" cap="none"/>
-                        <a:t>Raster</a:t>
-                      </a:r>
-                      <a:endParaRPr sz="1100" u="none" strike="noStrike" cap="none">
-                        <a:latin typeface="Calibri"/>
-                        <a:ea typeface="Calibri"/>
-                        <a:cs typeface="Calibri"/>
-                        <a:sym typeface="Calibri"/>
-                      </a:endParaRPr>
-                    </a:p>
-                  </a:txBody>
-                  <a:tcPr marL="40925" marR="40925" marT="0" marB="0"/>
-                </a:tc>
-                <a:tc>
-                  <a:txBody>
-                    <a:bodyPr/>
-                    <a:lstStyle/>
-                    <a:p>
-                      <a:pPr marL="0" marR="0" lvl="0" indent="0" algn="l" rtl="0">
-                        <a:lnSpc>
-                          <a:spcPct val="115000"/>
-                        </a:lnSpc>
-                        <a:spcBef>
-                          <a:spcPts val="0"/>
-                        </a:spcBef>
-                        <a:spcAft>
-                          <a:spcPts val="0"/>
-                        </a:spcAft>
-                        <a:buNone/>
-                      </a:pPr>
-                      <a:r>
-                        <a:rPr lang="en-US" sz="1200" u="none" strike="noStrike" cap="none"/>
-                        <a:t>30m</a:t>
-                      </a:r>
-                      <a:endParaRPr sz="1100" u="none" strike="noStrike" cap="none">
-                        <a:latin typeface="Calibri"/>
-                        <a:ea typeface="Calibri"/>
-                        <a:cs typeface="Calibri"/>
-                        <a:sym typeface="Calibri"/>
-                      </a:endParaRPr>
-                    </a:p>
-                  </a:txBody>
-                  <a:tcPr marL="40925" marR="40925" marT="0" marB="0"/>
-                </a:tc>
-                <a:tc>
-                  <a:txBody>
-                    <a:bodyPr/>
-                    <a:lstStyle/>
-                    <a:p>
-                      <a:pPr marL="0" marR="0" lvl="0" indent="0" algn="l" rtl="0">
-                        <a:lnSpc>
-                          <a:spcPct val="115000"/>
-                        </a:lnSpc>
-                        <a:spcBef>
-                          <a:spcPts val="0"/>
-                        </a:spcBef>
-                        <a:spcAft>
-                          <a:spcPts val="0"/>
-                        </a:spcAft>
-                        <a:buNone/>
-                      </a:pPr>
-                      <a:r>
-                        <a:rPr lang="en-US" sz="1200" u="none" strike="noStrike" cap="none"/>
-                        <a:t>https://www.mrlc.gov/nlcd2006.php</a:t>
-                      </a:r>
-                      <a:endParaRPr sz="1100" u="none" strike="noStrike" cap="none"/>
-                    </a:p>
-                  </a:txBody>
-                  <a:tcPr marL="40925" marR="40925" marT="0" marB="0"/>
-                </a:tc>
-                <a:extLst>
-                  <a:ext uri="{0D108BD9-81ED-4DB2-BD59-A6C34878D82A}">
-                    <a16:rowId xmlns:a16="http://schemas.microsoft.com/office/drawing/2014/main" val="10002"/>
-                  </a:ext>
-                </a:extLst>
-              </a:tr>
-              <a:tr h="500050">
-                <a:tc>
-                  <a:txBody>
-                    <a:bodyPr/>
-                    <a:lstStyle/>
-                    <a:p>
-                      <a:pPr marL="0" marR="0" lvl="0" indent="0" algn="l" rtl="0">
-                        <a:lnSpc>
-                          <a:spcPct val="115000"/>
-                        </a:lnSpc>
-                        <a:spcBef>
-                          <a:spcPts val="0"/>
-                        </a:spcBef>
-                        <a:spcAft>
-                          <a:spcPts val="0"/>
-                        </a:spcAft>
-                        <a:buNone/>
-                      </a:pPr>
-                      <a:r>
-                        <a:rPr lang="en-US" sz="1200" u="none" strike="noStrike" cap="none"/>
-                        <a:t>Land cover 2011</a:t>
-                      </a:r>
-                      <a:endParaRPr sz="1100" u="none" strike="noStrike" cap="none">
-                        <a:latin typeface="Calibri"/>
-                        <a:ea typeface="Calibri"/>
-                        <a:cs typeface="Calibri"/>
-                        <a:sym typeface="Calibri"/>
-                      </a:endParaRPr>
-                    </a:p>
-                  </a:txBody>
-                  <a:tcPr marL="40925" marR="40925" marT="0" marB="0"/>
-                </a:tc>
-                <a:tc>
-                  <a:txBody>
-                    <a:bodyPr/>
-                    <a:lstStyle/>
-                    <a:p>
-                      <a:pPr marL="0" marR="0" lvl="0" indent="0" algn="l" rtl="0">
-                        <a:lnSpc>
-                          <a:spcPct val="115000"/>
-                        </a:lnSpc>
-                        <a:spcBef>
-                          <a:spcPts val="0"/>
-                        </a:spcBef>
-                        <a:spcAft>
-                          <a:spcPts val="0"/>
-                        </a:spcAft>
-                        <a:buNone/>
-                      </a:pPr>
-                      <a:r>
-                        <a:rPr lang="en-US" sz="1200" u="none" strike="noStrike" cap="none"/>
-                        <a:t>Raster</a:t>
-                      </a:r>
-                      <a:endParaRPr sz="1100" u="none" strike="noStrike" cap="none">
-                        <a:latin typeface="Calibri"/>
-                        <a:ea typeface="Calibri"/>
-                        <a:cs typeface="Calibri"/>
-                        <a:sym typeface="Calibri"/>
-                      </a:endParaRPr>
-                    </a:p>
-                  </a:txBody>
-                  <a:tcPr marL="40925" marR="40925" marT="0" marB="0"/>
-                </a:tc>
-                <a:tc>
-                  <a:txBody>
-                    <a:bodyPr/>
-                    <a:lstStyle/>
-                    <a:p>
-                      <a:pPr marL="0" marR="0" lvl="0" indent="0" algn="l" rtl="0">
-                        <a:lnSpc>
-                          <a:spcPct val="115000"/>
-                        </a:lnSpc>
-                        <a:spcBef>
-                          <a:spcPts val="0"/>
-                        </a:spcBef>
-                        <a:spcAft>
-                          <a:spcPts val="0"/>
-                        </a:spcAft>
-                        <a:buNone/>
-                      </a:pPr>
-                      <a:r>
-                        <a:rPr lang="en-US" sz="1200" u="none" strike="noStrike" cap="none"/>
-                        <a:t>30m</a:t>
-                      </a:r>
-                      <a:endParaRPr sz="1100" u="none" strike="noStrike" cap="none">
-                        <a:latin typeface="Calibri"/>
-                        <a:ea typeface="Calibri"/>
-                        <a:cs typeface="Calibri"/>
-                        <a:sym typeface="Calibri"/>
-                      </a:endParaRPr>
-                    </a:p>
-                  </a:txBody>
-                  <a:tcPr marL="40925" marR="40925" marT="0" marB="0"/>
-                </a:tc>
-                <a:tc>
-                  <a:txBody>
-                    <a:bodyPr/>
-                    <a:lstStyle/>
-                    <a:p>
-                      <a:pPr marL="0" marR="0" lvl="0" indent="0" algn="l" rtl="0">
-                        <a:lnSpc>
-                          <a:spcPct val="115000"/>
-                        </a:lnSpc>
-                        <a:spcBef>
-                          <a:spcPts val="0"/>
-                        </a:spcBef>
-                        <a:spcAft>
-                          <a:spcPts val="0"/>
-                        </a:spcAft>
-                        <a:buNone/>
-                      </a:pPr>
-                      <a:r>
-                        <a:rPr lang="en-US" sz="1200" u="none" strike="noStrike" cap="none"/>
-                        <a:t>https://www.mrlc.gov/nlcd2011.php</a:t>
-                      </a:r>
-                      <a:endParaRPr sz="1100" u="none" strike="noStrike" cap="none"/>
-                    </a:p>
-                  </a:txBody>
-                  <a:tcPr marL="40925" marR="40925" marT="0" marB="0"/>
-                </a:tc>
-                <a:extLst>
-                  <a:ext uri="{0D108BD9-81ED-4DB2-BD59-A6C34878D82A}">
-                    <a16:rowId xmlns:a16="http://schemas.microsoft.com/office/drawing/2014/main" val="10003"/>
-                  </a:ext>
-                </a:extLst>
-              </a:tr>
-              <a:tr h="329725">
-                <a:tc>
-                  <a:txBody>
-                    <a:bodyPr/>
-                    <a:lstStyle/>
-                    <a:p>
-                      <a:pPr marL="0" marR="0" lvl="0" indent="0" algn="l" rtl="0">
-                        <a:lnSpc>
-                          <a:spcPct val="115000"/>
-                        </a:lnSpc>
-                        <a:spcBef>
-                          <a:spcPts val="0"/>
-                        </a:spcBef>
-                        <a:spcAft>
-                          <a:spcPts val="0"/>
-                        </a:spcAft>
-                        <a:buNone/>
-                      </a:pPr>
-                      <a:r>
-                        <a:rPr lang="en-US" sz="1200" u="none" strike="noStrike" cap="none"/>
-                        <a:t>Urban areas</a:t>
-                      </a:r>
-                      <a:endParaRPr sz="1100" u="none" strike="noStrike" cap="none">
-                        <a:latin typeface="Calibri"/>
-                        <a:ea typeface="Calibri"/>
-                        <a:cs typeface="Calibri"/>
-                        <a:sym typeface="Calibri"/>
-                      </a:endParaRPr>
-                    </a:p>
-                  </a:txBody>
-                  <a:tcPr marL="40925" marR="40925" marT="0" marB="0"/>
-                </a:tc>
-                <a:tc>
-                  <a:txBody>
-                    <a:bodyPr/>
-                    <a:lstStyle/>
-                    <a:p>
-                      <a:pPr marL="0" marR="0" lvl="0" indent="0" algn="l" rtl="0">
-                        <a:lnSpc>
-                          <a:spcPct val="115000"/>
-                        </a:lnSpc>
-                        <a:spcBef>
-                          <a:spcPts val="0"/>
-                        </a:spcBef>
-                        <a:spcAft>
-                          <a:spcPts val="0"/>
-                        </a:spcAft>
-                        <a:buNone/>
-                      </a:pPr>
-                      <a:r>
-                        <a:rPr lang="en-US" sz="1200" u="none" strike="noStrike" cap="none"/>
-                        <a:t>Raster</a:t>
-                      </a:r>
-                      <a:endParaRPr sz="1100" u="none" strike="noStrike" cap="none">
-                        <a:latin typeface="Calibri"/>
-                        <a:ea typeface="Calibri"/>
-                        <a:cs typeface="Calibri"/>
-                        <a:sym typeface="Calibri"/>
-                      </a:endParaRPr>
-                    </a:p>
-                  </a:txBody>
-                  <a:tcPr marL="40925" marR="40925" marT="0" marB="0"/>
-                </a:tc>
-                <a:tc>
-                  <a:txBody>
-                    <a:bodyPr/>
-                    <a:lstStyle/>
-                    <a:p>
-                      <a:pPr marL="0" marR="0" lvl="0" indent="0" algn="l" rtl="0">
-                        <a:lnSpc>
-                          <a:spcPct val="115000"/>
-                        </a:lnSpc>
-                        <a:spcBef>
-                          <a:spcPts val="0"/>
-                        </a:spcBef>
-                        <a:spcAft>
-                          <a:spcPts val="0"/>
-                        </a:spcAft>
-                        <a:buNone/>
-                      </a:pPr>
-                      <a:r>
-                        <a:rPr lang="en-US" sz="1200" u="none" strike="noStrike" cap="none"/>
-                        <a:t>30m</a:t>
-                      </a:r>
-                      <a:endParaRPr sz="1100" u="none" strike="noStrike" cap="none">
-                        <a:latin typeface="Calibri"/>
-                        <a:ea typeface="Calibri"/>
-                        <a:cs typeface="Calibri"/>
-                        <a:sym typeface="Calibri"/>
-                      </a:endParaRPr>
-                    </a:p>
-                  </a:txBody>
-                  <a:tcPr marL="40925" marR="40925" marT="0" marB="0"/>
-                </a:tc>
-                <a:tc>
-                  <a:txBody>
-                    <a:bodyPr/>
-                    <a:lstStyle/>
-                    <a:p>
-                      <a:pPr marL="0" marR="0" lvl="0" indent="0" algn="l" rtl="0">
-                        <a:lnSpc>
-                          <a:spcPct val="115000"/>
-                        </a:lnSpc>
-                        <a:spcBef>
-                          <a:spcPts val="0"/>
-                        </a:spcBef>
-                        <a:spcAft>
-                          <a:spcPts val="0"/>
-                        </a:spcAft>
-                        <a:buNone/>
-                      </a:pPr>
-                      <a:r>
-                        <a:rPr lang="en-US" sz="1200" u="none" strike="noStrike" cap="none"/>
-                        <a:t>Extracted from land cover for the processing date.</a:t>
-                      </a:r>
-                      <a:endParaRPr sz="1100" u="none" strike="noStrike" cap="none">
-                        <a:latin typeface="Calibri"/>
-                        <a:ea typeface="Calibri"/>
-                        <a:cs typeface="Calibri"/>
-                        <a:sym typeface="Calibri"/>
-                      </a:endParaRPr>
-                    </a:p>
-                  </a:txBody>
-                  <a:tcPr marL="40925" marR="40925" marT="0" marB="0"/>
-                </a:tc>
-                <a:extLst>
-                  <a:ext uri="{0D108BD9-81ED-4DB2-BD59-A6C34878D82A}">
-                    <a16:rowId xmlns:a16="http://schemas.microsoft.com/office/drawing/2014/main" val="10004"/>
-                  </a:ext>
-                </a:extLst>
-              </a:tr>
-              <a:tr h="787625">
-                <a:tc>
-                  <a:txBody>
-                    <a:bodyPr/>
-                    <a:lstStyle/>
-                    <a:p>
-                      <a:pPr marL="0" marR="0" lvl="0" indent="0" algn="l" rtl="0">
-                        <a:lnSpc>
-                          <a:spcPct val="115000"/>
-                        </a:lnSpc>
-                        <a:spcBef>
-                          <a:spcPts val="0"/>
-                        </a:spcBef>
-                        <a:spcAft>
-                          <a:spcPts val="0"/>
-                        </a:spcAft>
-                        <a:buNone/>
-                      </a:pPr>
-                      <a:r>
-                        <a:rPr lang="en-US" sz="1200" u="none" strike="noStrike" cap="none"/>
-                        <a:t>Conservation areas</a:t>
-                      </a:r>
-                      <a:endParaRPr sz="1100" u="none" strike="noStrike" cap="none">
-                        <a:latin typeface="Calibri"/>
-                        <a:ea typeface="Calibri"/>
-                        <a:cs typeface="Calibri"/>
-                        <a:sym typeface="Calibri"/>
-                      </a:endParaRPr>
-                    </a:p>
-                  </a:txBody>
-                  <a:tcPr marL="40925" marR="40925" marT="0" marB="0"/>
-                </a:tc>
-                <a:tc>
-                  <a:txBody>
-                    <a:bodyPr/>
-                    <a:lstStyle/>
-                    <a:p>
-                      <a:pPr marL="0" marR="0" lvl="0" indent="0" algn="l" rtl="0">
-                        <a:lnSpc>
-                          <a:spcPct val="115000"/>
-                        </a:lnSpc>
-                        <a:spcBef>
-                          <a:spcPts val="0"/>
-                        </a:spcBef>
-                        <a:spcAft>
-                          <a:spcPts val="0"/>
-                        </a:spcAft>
-                        <a:buNone/>
-                      </a:pPr>
-                      <a:r>
-                        <a:rPr lang="en-US" sz="1200" u="none" strike="noStrike" cap="none"/>
-                        <a:t>Polygon</a:t>
-                      </a:r>
-                      <a:endParaRPr sz="1100" u="none" strike="noStrike" cap="none">
-                        <a:latin typeface="Calibri"/>
-                        <a:ea typeface="Calibri"/>
-                        <a:cs typeface="Calibri"/>
-                        <a:sym typeface="Calibri"/>
-                      </a:endParaRPr>
-                    </a:p>
-                  </a:txBody>
-                  <a:tcPr marL="40925" marR="40925" marT="0" marB="0"/>
-                </a:tc>
-                <a:tc>
-                  <a:txBody>
-                    <a:bodyPr/>
-                    <a:lstStyle/>
-                    <a:p>
-                      <a:pPr marL="0" marR="0" lvl="0" indent="0" algn="l" rtl="0">
-                        <a:lnSpc>
-                          <a:spcPct val="115000"/>
-                        </a:lnSpc>
-                        <a:spcBef>
-                          <a:spcPts val="0"/>
-                        </a:spcBef>
-                        <a:spcAft>
-                          <a:spcPts val="0"/>
-                        </a:spcAft>
-                        <a:buNone/>
-                      </a:pPr>
-                      <a:r>
-                        <a:rPr lang="en-US" sz="1200" u="none" strike="noStrike" cap="none"/>
-                        <a:t>--</a:t>
-                      </a:r>
-                      <a:endParaRPr sz="1100" u="none" strike="noStrike" cap="none">
-                        <a:latin typeface="Calibri"/>
-                        <a:ea typeface="Calibri"/>
-                        <a:cs typeface="Calibri"/>
-                        <a:sym typeface="Calibri"/>
-                      </a:endParaRPr>
-                    </a:p>
-                  </a:txBody>
-                  <a:tcPr marL="40925" marR="40925" marT="0" marB="0"/>
-                </a:tc>
-                <a:tc>
-                  <a:txBody>
-                    <a:bodyPr/>
-                    <a:lstStyle/>
-                    <a:p>
-                      <a:pPr marL="0" marR="0" lvl="0" indent="0" algn="l" rtl="0">
-                        <a:lnSpc>
-                          <a:spcPct val="115000"/>
-                        </a:lnSpc>
-                        <a:spcBef>
-                          <a:spcPts val="0"/>
-                        </a:spcBef>
-                        <a:spcAft>
-                          <a:spcPts val="0"/>
-                        </a:spcAft>
-                        <a:buNone/>
-                      </a:pPr>
-                      <a:r>
-                        <a:rPr lang="en-US" sz="1200" b="0" i="0" u="none" strike="noStrike" cap="none">
-                          <a:solidFill>
-                            <a:schemeClr val="dk1"/>
-                          </a:solidFill>
-                          <a:latin typeface="Arial"/>
-                          <a:ea typeface="Arial"/>
-                          <a:cs typeface="Arial"/>
-                          <a:sym typeface="Arial"/>
-                        </a:rPr>
-                        <a:t>State Lands Habitat Conservation Plan (HCP), 1997</a:t>
-                      </a:r>
-                      <a:endParaRPr/>
-                    </a:p>
-                    <a:p>
-                      <a:pPr marL="0" marR="0" lvl="0" indent="0" algn="l" rtl="0">
-                        <a:lnSpc>
-                          <a:spcPct val="115000"/>
-                        </a:lnSpc>
-                        <a:spcBef>
-                          <a:spcPts val="0"/>
-                        </a:spcBef>
-                        <a:spcAft>
-                          <a:spcPts val="0"/>
-                        </a:spcAft>
-                        <a:buNone/>
-                      </a:pPr>
-                      <a:r>
-                        <a:rPr lang="en-US" sz="1200" b="0" i="0" u="none" strike="noStrike" cap="none">
-                          <a:solidFill>
-                            <a:schemeClr val="dk1"/>
-                          </a:solidFill>
-                          <a:latin typeface="Arial"/>
-                          <a:ea typeface="Arial"/>
-                          <a:cs typeface="Arial"/>
-                          <a:sym typeface="Arial"/>
-                        </a:rPr>
-                        <a:t>http://data-wadnr.opendata.arcgis.com/datasets/habitat-conservation-plan-lands</a:t>
-                      </a:r>
-                      <a:endParaRPr/>
-                    </a:p>
-                  </a:txBody>
-                  <a:tcPr marL="40925" marR="40925" marT="0" marB="0"/>
-                </a:tc>
-                <a:extLst>
-                  <a:ext uri="{0D108BD9-81ED-4DB2-BD59-A6C34878D82A}">
-                    <a16:rowId xmlns:a16="http://schemas.microsoft.com/office/drawing/2014/main" val="10005"/>
-                  </a:ext>
-                </a:extLst>
-              </a:tr>
-              <a:tr h="1558375">
-                <a:tc>
-                  <a:txBody>
-                    <a:bodyPr/>
-                    <a:lstStyle/>
-                    <a:p>
-                      <a:pPr marL="0" marR="0" lvl="0" indent="0" algn="l" rtl="0">
-                        <a:lnSpc>
-                          <a:spcPct val="115000"/>
-                        </a:lnSpc>
-                        <a:spcBef>
-                          <a:spcPts val="0"/>
-                        </a:spcBef>
-                        <a:spcAft>
-                          <a:spcPts val="0"/>
-                        </a:spcAft>
-                        <a:buNone/>
-                      </a:pPr>
-                      <a:r>
-                        <a:rPr lang="en-US" sz="1200" u="none" strike="noStrike" cap="none"/>
-                        <a:t>State and Local streets</a:t>
-                      </a:r>
-                      <a:endParaRPr sz="1100" u="none" strike="noStrike" cap="none">
-                        <a:latin typeface="Calibri"/>
-                        <a:ea typeface="Calibri"/>
-                        <a:cs typeface="Calibri"/>
-                        <a:sym typeface="Calibri"/>
-                      </a:endParaRPr>
-                    </a:p>
-                  </a:txBody>
-                  <a:tcPr marL="40925" marR="40925" marT="0" marB="0"/>
-                </a:tc>
-                <a:tc>
-                  <a:txBody>
-                    <a:bodyPr/>
-                    <a:lstStyle/>
-                    <a:p>
-                      <a:pPr marL="0" marR="0" lvl="0" indent="0" algn="l" rtl="0">
-                        <a:lnSpc>
-                          <a:spcPct val="115000"/>
-                        </a:lnSpc>
-                        <a:spcBef>
-                          <a:spcPts val="0"/>
-                        </a:spcBef>
-                        <a:spcAft>
-                          <a:spcPts val="0"/>
-                        </a:spcAft>
-                        <a:buNone/>
-                      </a:pPr>
-                      <a:r>
-                        <a:rPr lang="en-US" sz="1200" u="none" strike="noStrike" cap="none"/>
-                        <a:t>Lines</a:t>
-                      </a:r>
-                      <a:endParaRPr sz="1100" u="none" strike="noStrike" cap="none">
-                        <a:latin typeface="Calibri"/>
-                        <a:ea typeface="Calibri"/>
-                        <a:cs typeface="Calibri"/>
-                        <a:sym typeface="Calibri"/>
-                      </a:endParaRPr>
-                    </a:p>
-                  </a:txBody>
-                  <a:tcPr marL="40925" marR="40925" marT="0" marB="0"/>
-                </a:tc>
-                <a:tc>
-                  <a:txBody>
-                    <a:bodyPr/>
-                    <a:lstStyle/>
-                    <a:p>
-                      <a:pPr marL="0" marR="0" lvl="0" indent="0" algn="l" rtl="0">
-                        <a:lnSpc>
-                          <a:spcPct val="115000"/>
-                        </a:lnSpc>
-                        <a:spcBef>
-                          <a:spcPts val="0"/>
-                        </a:spcBef>
-                        <a:spcAft>
-                          <a:spcPts val="0"/>
-                        </a:spcAft>
-                        <a:buNone/>
-                      </a:pPr>
-                      <a:r>
-                        <a:rPr lang="en-US" sz="1200" u="none" strike="noStrike" cap="none"/>
-                        <a:t>--</a:t>
-                      </a:r>
-                      <a:endParaRPr sz="1100" u="none" strike="noStrike" cap="none">
-                        <a:latin typeface="Calibri"/>
-                        <a:ea typeface="Calibri"/>
-                        <a:cs typeface="Calibri"/>
-                        <a:sym typeface="Calibri"/>
-                      </a:endParaRPr>
-                    </a:p>
-                  </a:txBody>
-                  <a:tcPr marL="40925" marR="40925" marT="0" marB="0"/>
-                </a:tc>
-                <a:tc>
-                  <a:txBody>
-                    <a:bodyPr/>
-                    <a:lstStyle/>
-                    <a:p>
-                      <a:pPr marL="0" marR="0" lvl="0" indent="0" algn="l" rtl="0">
-                        <a:lnSpc>
-                          <a:spcPct val="115000"/>
-                        </a:lnSpc>
-                        <a:spcBef>
-                          <a:spcPts val="0"/>
-                        </a:spcBef>
-                        <a:spcAft>
-                          <a:spcPts val="0"/>
-                        </a:spcAft>
-                        <a:buNone/>
-                      </a:pPr>
-                      <a:r>
-                        <a:rPr lang="en-US" sz="1200" b="0" i="0" u="none" strike="noStrike" cap="none">
-                          <a:solidFill>
-                            <a:schemeClr val="dk1"/>
-                          </a:solidFill>
-                          <a:latin typeface="Arial"/>
-                          <a:ea typeface="Arial"/>
-                          <a:cs typeface="Arial"/>
-                          <a:sym typeface="Arial"/>
-                        </a:rPr>
-                        <a:t>WSDOT, 2006</a:t>
-                      </a:r>
-                      <a:endParaRPr/>
-                    </a:p>
-                    <a:p>
-                      <a:pPr marL="0" marR="0" lvl="0" indent="0" algn="l" rtl="0">
-                        <a:lnSpc>
-                          <a:spcPct val="115000"/>
-                        </a:lnSpc>
-                        <a:spcBef>
-                          <a:spcPts val="0"/>
-                        </a:spcBef>
-                        <a:spcAft>
-                          <a:spcPts val="0"/>
-                        </a:spcAft>
-                        <a:buNone/>
-                      </a:pPr>
-                      <a:r>
-                        <a:rPr lang="en-US" sz="1200" b="0" i="0" u="none" strike="noStrike" cap="none">
-                          <a:solidFill>
-                            <a:schemeClr val="dk1"/>
-                          </a:solidFill>
-                          <a:latin typeface="Arial"/>
-                          <a:ea typeface="Arial"/>
-                          <a:cs typeface="Arial"/>
-                          <a:sym typeface="Arial"/>
-                        </a:rPr>
-                        <a:t>National Highway System – Local roads, 2006</a:t>
-                      </a:r>
-                      <a:endParaRPr/>
-                    </a:p>
-                    <a:p>
-                      <a:pPr marL="0" marR="0" lvl="0" indent="0" algn="l" rtl="0">
-                        <a:lnSpc>
-                          <a:spcPct val="115000"/>
-                        </a:lnSpc>
-                        <a:spcBef>
-                          <a:spcPts val="0"/>
-                        </a:spcBef>
-                        <a:spcAft>
-                          <a:spcPts val="0"/>
-                        </a:spcAft>
-                        <a:buNone/>
-                      </a:pPr>
-                      <a:r>
-                        <a:rPr lang="en-US" sz="1200" b="0" i="0" u="none" strike="noStrike" cap="none">
-                          <a:solidFill>
-                            <a:schemeClr val="dk1"/>
-                          </a:solidFill>
-                          <a:latin typeface="Arial"/>
-                          <a:ea typeface="Arial"/>
-                          <a:cs typeface="Arial"/>
-                          <a:sym typeface="Arial"/>
-                        </a:rPr>
-                        <a:t>http://www.wsdot.wa.gov/mapsdata/geodatacatalog/Maps/noscale/DOT_TDO/NHS/NHSGIF.htm</a:t>
-                      </a:r>
-                      <a:endParaRPr/>
-                    </a:p>
-                    <a:p>
-                      <a:pPr marL="0" marR="0" lvl="0" indent="0" algn="l" rtl="0">
-                        <a:lnSpc>
-                          <a:spcPct val="115000"/>
-                        </a:lnSpc>
-                        <a:spcBef>
-                          <a:spcPts val="0"/>
-                        </a:spcBef>
-                        <a:spcAft>
-                          <a:spcPts val="0"/>
-                        </a:spcAft>
-                        <a:buNone/>
-                      </a:pPr>
-                      <a:r>
-                        <a:rPr lang="en-US" sz="1200" b="0" i="0" u="none" strike="noStrike" cap="none">
-                          <a:solidFill>
-                            <a:schemeClr val="dk1"/>
-                          </a:solidFill>
-                          <a:latin typeface="Arial"/>
-                          <a:ea typeface="Arial"/>
-                          <a:cs typeface="Arial"/>
-                          <a:sym typeface="Arial"/>
-                        </a:rPr>
-                        <a:t>National Highway System – State roads, 2006</a:t>
-                      </a:r>
-                      <a:endParaRPr/>
-                    </a:p>
-                    <a:p>
-                      <a:pPr marL="0" marR="0" lvl="0" indent="0" algn="l" rtl="0">
-                        <a:lnSpc>
-                          <a:spcPct val="115000"/>
-                        </a:lnSpc>
-                        <a:spcBef>
-                          <a:spcPts val="0"/>
-                        </a:spcBef>
-                        <a:spcAft>
-                          <a:spcPts val="0"/>
-                        </a:spcAft>
-                        <a:buNone/>
-                      </a:pPr>
-                      <a:r>
-                        <a:rPr lang="en-US" sz="1200" b="0" i="0" u="none" strike="noStrike" cap="none">
-                          <a:solidFill>
-                            <a:schemeClr val="dk1"/>
-                          </a:solidFill>
-                          <a:latin typeface="Arial"/>
-                          <a:ea typeface="Arial"/>
-                          <a:cs typeface="Arial"/>
-                          <a:sym typeface="Arial"/>
-                        </a:rPr>
-                        <a:t>http://www.wsdot.wa.gov/mapsdata/geodatacatalog/Maps/noscale/DOT_TDO/NHS/NHSGIF.htm</a:t>
-                      </a:r>
-                      <a:endParaRPr/>
-                    </a:p>
-                  </a:txBody>
-                  <a:tcPr marL="40925" marR="40925" marT="0" marB="0"/>
-                </a:tc>
-                <a:extLst>
-                  <a:ext uri="{0D108BD9-81ED-4DB2-BD59-A6C34878D82A}">
-                    <a16:rowId xmlns:a16="http://schemas.microsoft.com/office/drawing/2014/main" val="10006"/>
-                  </a:ext>
-                </a:extLst>
-              </a:tr>
-              <a:tr h="329725">
-                <a:tc>
-                  <a:txBody>
-                    <a:bodyPr/>
-                    <a:lstStyle/>
-                    <a:p>
-                      <a:pPr marL="0" marR="0" lvl="0" indent="0" algn="l" rtl="0">
-                        <a:lnSpc>
-                          <a:spcPct val="115000"/>
-                        </a:lnSpc>
-                        <a:spcBef>
-                          <a:spcPts val="0"/>
-                        </a:spcBef>
-                        <a:spcAft>
-                          <a:spcPts val="0"/>
-                        </a:spcAft>
-                        <a:buNone/>
-                      </a:pPr>
-                      <a:r>
-                        <a:rPr lang="en-US" sz="1200" u="none" strike="noStrike" cap="none"/>
-                        <a:t>Open water</a:t>
-                      </a:r>
-                      <a:endParaRPr sz="1100" u="none" strike="noStrike" cap="none">
-                        <a:latin typeface="Calibri"/>
-                        <a:ea typeface="Calibri"/>
-                        <a:cs typeface="Calibri"/>
-                        <a:sym typeface="Calibri"/>
-                      </a:endParaRPr>
-                    </a:p>
-                  </a:txBody>
-                  <a:tcPr marL="40925" marR="40925" marT="0" marB="0"/>
-                </a:tc>
-                <a:tc>
-                  <a:txBody>
-                    <a:bodyPr/>
-                    <a:lstStyle/>
-                    <a:p>
-                      <a:pPr marL="0" marR="0" lvl="0" indent="0" algn="l" rtl="0">
-                        <a:lnSpc>
-                          <a:spcPct val="115000"/>
-                        </a:lnSpc>
-                        <a:spcBef>
-                          <a:spcPts val="0"/>
-                        </a:spcBef>
-                        <a:spcAft>
-                          <a:spcPts val="0"/>
-                        </a:spcAft>
-                        <a:buNone/>
-                      </a:pPr>
-                      <a:r>
-                        <a:rPr lang="en-US" sz="1200" u="none" strike="noStrike" cap="none"/>
-                        <a:t>Raster</a:t>
-                      </a:r>
-                      <a:endParaRPr sz="1100" u="none" strike="noStrike" cap="none">
-                        <a:latin typeface="Calibri"/>
-                        <a:ea typeface="Calibri"/>
-                        <a:cs typeface="Calibri"/>
-                        <a:sym typeface="Calibri"/>
-                      </a:endParaRPr>
-                    </a:p>
-                  </a:txBody>
-                  <a:tcPr marL="40925" marR="40925" marT="0" marB="0"/>
-                </a:tc>
-                <a:tc>
-                  <a:txBody>
-                    <a:bodyPr/>
-                    <a:lstStyle/>
-                    <a:p>
-                      <a:pPr marL="0" marR="0" lvl="0" indent="0" algn="l" rtl="0">
-                        <a:lnSpc>
-                          <a:spcPct val="115000"/>
-                        </a:lnSpc>
-                        <a:spcBef>
-                          <a:spcPts val="0"/>
-                        </a:spcBef>
-                        <a:spcAft>
-                          <a:spcPts val="0"/>
-                        </a:spcAft>
-                        <a:buNone/>
-                      </a:pPr>
-                      <a:r>
-                        <a:rPr lang="en-US" sz="1200" u="none" strike="noStrike" cap="none"/>
-                        <a:t>30m</a:t>
-                      </a:r>
-                      <a:endParaRPr sz="1100" u="none" strike="noStrike" cap="none">
-                        <a:latin typeface="Calibri"/>
-                        <a:ea typeface="Calibri"/>
-                        <a:cs typeface="Calibri"/>
-                        <a:sym typeface="Calibri"/>
-                      </a:endParaRPr>
-                    </a:p>
-                  </a:txBody>
-                  <a:tcPr marL="40925" marR="40925" marT="0" marB="0"/>
-                </a:tc>
-                <a:tc>
-                  <a:txBody>
-                    <a:bodyPr/>
-                    <a:lstStyle/>
-                    <a:p>
-                      <a:pPr marL="0" marR="0" lvl="0" indent="0" algn="l" rtl="0">
-                        <a:lnSpc>
-                          <a:spcPct val="115000"/>
-                        </a:lnSpc>
-                        <a:spcBef>
-                          <a:spcPts val="0"/>
-                        </a:spcBef>
-                        <a:spcAft>
-                          <a:spcPts val="0"/>
-                        </a:spcAft>
-                        <a:buNone/>
-                      </a:pPr>
-                      <a:r>
-                        <a:rPr lang="en-US" sz="1200" u="none" strike="noStrike" cap="none"/>
-                        <a:t>Extracted from land cover for the processing date.</a:t>
-                      </a:r>
-                      <a:endParaRPr sz="1100" u="none" strike="noStrike" cap="none">
-                        <a:latin typeface="Calibri"/>
-                        <a:ea typeface="Calibri"/>
-                        <a:cs typeface="Calibri"/>
-                        <a:sym typeface="Calibri"/>
-                      </a:endParaRPr>
-                    </a:p>
-                  </a:txBody>
-                  <a:tcPr marL="40925" marR="40925" marT="0" marB="0"/>
-                </a:tc>
-                <a:extLst>
-                  <a:ext uri="{0D108BD9-81ED-4DB2-BD59-A6C34878D82A}">
-                    <a16:rowId xmlns:a16="http://schemas.microsoft.com/office/drawing/2014/main" val="10007"/>
-                  </a:ext>
-                </a:extLst>
-              </a:tr>
-              <a:tr h="256975">
-                <a:tc>
-                  <a:txBody>
-                    <a:bodyPr/>
-                    <a:lstStyle/>
-                    <a:p>
-                      <a:pPr marL="0" marR="0" lvl="0" indent="0" algn="l" rtl="0">
-                        <a:lnSpc>
-                          <a:spcPct val="115000"/>
-                        </a:lnSpc>
-                        <a:spcBef>
-                          <a:spcPts val="0"/>
-                        </a:spcBef>
-                        <a:spcAft>
-                          <a:spcPts val="0"/>
-                        </a:spcAft>
-                        <a:buNone/>
-                      </a:pPr>
-                      <a:r>
-                        <a:rPr lang="en-US" sz="1200" u="none" strike="noStrike" cap="none"/>
-                        <a:t>Wetlands</a:t>
-                      </a:r>
-                      <a:endParaRPr sz="1100" u="none" strike="noStrike" cap="none">
-                        <a:latin typeface="Calibri"/>
-                        <a:ea typeface="Calibri"/>
-                        <a:cs typeface="Calibri"/>
-                        <a:sym typeface="Calibri"/>
-                      </a:endParaRPr>
-                    </a:p>
-                  </a:txBody>
-                  <a:tcPr marL="40925" marR="40925" marT="0" marB="0"/>
-                </a:tc>
-                <a:tc>
-                  <a:txBody>
-                    <a:bodyPr/>
-                    <a:lstStyle/>
-                    <a:p>
-                      <a:pPr marL="0" marR="0" lvl="0" indent="0" algn="l" rtl="0">
-                        <a:lnSpc>
-                          <a:spcPct val="115000"/>
-                        </a:lnSpc>
-                        <a:spcBef>
-                          <a:spcPts val="0"/>
-                        </a:spcBef>
-                        <a:spcAft>
-                          <a:spcPts val="0"/>
-                        </a:spcAft>
-                        <a:buNone/>
-                      </a:pPr>
-                      <a:r>
-                        <a:rPr lang="en-US" sz="1200" u="none" strike="noStrike" cap="none"/>
-                        <a:t>Raster</a:t>
-                      </a:r>
-                      <a:endParaRPr sz="1100" u="none" strike="noStrike" cap="none">
-                        <a:latin typeface="Calibri"/>
-                        <a:ea typeface="Calibri"/>
-                        <a:cs typeface="Calibri"/>
-                        <a:sym typeface="Calibri"/>
-                      </a:endParaRPr>
-                    </a:p>
-                  </a:txBody>
-                  <a:tcPr marL="40925" marR="40925" marT="0" marB="0"/>
-                </a:tc>
-                <a:tc>
-                  <a:txBody>
-                    <a:bodyPr/>
-                    <a:lstStyle/>
-                    <a:p>
-                      <a:pPr marL="0" marR="0" lvl="0" indent="0" algn="l" rtl="0">
-                        <a:lnSpc>
-                          <a:spcPct val="115000"/>
-                        </a:lnSpc>
-                        <a:spcBef>
-                          <a:spcPts val="0"/>
-                        </a:spcBef>
-                        <a:spcAft>
-                          <a:spcPts val="0"/>
-                        </a:spcAft>
-                        <a:buNone/>
-                      </a:pPr>
-                      <a:r>
-                        <a:rPr lang="en-US" sz="1200" u="none" strike="noStrike" cap="none"/>
-                        <a:t>30m</a:t>
-                      </a:r>
-                      <a:endParaRPr sz="1100" u="none" strike="noStrike" cap="none">
-                        <a:latin typeface="Calibri"/>
-                        <a:ea typeface="Calibri"/>
-                        <a:cs typeface="Calibri"/>
-                        <a:sym typeface="Calibri"/>
-                      </a:endParaRPr>
-                    </a:p>
-                  </a:txBody>
-                  <a:tcPr marL="40925" marR="40925" marT="0" marB="0"/>
-                </a:tc>
-                <a:tc>
-                  <a:txBody>
-                    <a:bodyPr/>
-                    <a:lstStyle/>
-                    <a:p>
-                      <a:pPr marL="0" marR="0" lvl="0" indent="0" algn="l" rtl="0">
-                        <a:lnSpc>
-                          <a:spcPct val="115000"/>
-                        </a:lnSpc>
-                        <a:spcBef>
-                          <a:spcPts val="0"/>
-                        </a:spcBef>
-                        <a:spcAft>
-                          <a:spcPts val="0"/>
-                        </a:spcAft>
-                        <a:buNone/>
-                      </a:pPr>
-                      <a:r>
-                        <a:rPr lang="en-US" sz="1200" u="none" strike="noStrike" cap="none"/>
-                        <a:t>Extracted from land cover for the processing date.</a:t>
-                      </a:r>
-                      <a:endParaRPr sz="1100" u="none" strike="noStrike" cap="none">
-                        <a:latin typeface="Calibri"/>
-                        <a:ea typeface="Calibri"/>
-                        <a:cs typeface="Calibri"/>
-                        <a:sym typeface="Calibri"/>
-                      </a:endParaRPr>
-                    </a:p>
-                  </a:txBody>
-                  <a:tcPr marL="40925" marR="40925" marT="0" marB="0"/>
-                </a:tc>
-                <a:extLst>
-                  <a:ext uri="{0D108BD9-81ED-4DB2-BD59-A6C34878D82A}">
-                    <a16:rowId xmlns:a16="http://schemas.microsoft.com/office/drawing/2014/main" val="10008"/>
-                  </a:ext>
-                </a:extLst>
-              </a:tr>
-            </a:tbl>
-          </a:graphicData>
-        </a:graphic>
-      </p:graphicFrame>
+        </p:nvPicPr>
+        <p:blipFill rotWithShape="1">
+          <a:blip r:embed="rId3"/>
+          <a:srcRect l="32404" t="14814" r="17541" b="45870"/>
+          <a:stretch/>
+        </p:blipFill>
+        <p:spPr>
+          <a:xfrm>
+            <a:off x="0" y="4360985"/>
+            <a:ext cx="4577082" cy="2259623"/>
+          </a:xfrm>
+          <a:prstGeom prst="rect">
+            <a:avLst/>
+          </a:prstGeom>
+        </p:spPr>
+      </p:pic>
     </p:spTree>
   </p:cSld>
   <p:clrMapOvr>

--- a/Daten zusammentragen für die Abgabe/Präsentation/Presentation_01.pptx
+++ b/Daten zusammentragen für die Abgabe/Präsentation/Presentation_01.pptx
@@ -118,6 +118,14 @@
       </a:defRPr>
     </a:lvl9pPr>
   </p:defaultTextStyle>
+  <p:extLst>
+    <p:ext uri="{EFAFB233-063F-42B5-8137-9DF3F51BA10A}">
+      <p15:sldGuideLst xmlns:p15="http://schemas.microsoft.com/office/powerpoint/2012/main"/>
+    </p:ext>
+    <p:ext uri="{2D200454-40CA-4A62-9FC3-DE9A4176ACB9}">
+      <p15:notesGuideLst xmlns:p15="http://schemas.microsoft.com/office/powerpoint/2012/main"/>
+    </p:ext>
+  </p:extLst>
 </p:presentation>
 </file>
 
@@ -449,6 +457,316 @@
     </a:lvl9pPr>
   </p:notesStyle>
 </p:notesMaster>
+</file>
+
+<file path=ppt/notesSlides/notesSlide1.xml><?xml version="1.0" encoding="utf-8"?>
+<p:notes xmlns:a="http://schemas.openxmlformats.org/drawingml/2006/main" xmlns:r="http://schemas.openxmlformats.org/officeDocument/2006/relationships" xmlns:p="http://schemas.openxmlformats.org/presentationml/2006/main">
+  <p:cSld>
+    <p:spTree>
+      <p:nvGrpSpPr>
+        <p:cNvPr id="1" name=""/>
+        <p:cNvGrpSpPr/>
+        <p:nvPr/>
+      </p:nvGrpSpPr>
+      <p:grpSpPr>
+        <a:xfrm>
+          <a:off x="0" y="0"/>
+          <a:ext cx="0" cy="0"/>
+          <a:chOff x="0" y="0"/>
+          <a:chExt cx="0" cy="0"/>
+        </a:xfrm>
+      </p:grpSpPr>
+      <p:sp>
+        <p:nvSpPr>
+          <p:cNvPr id="2" name="Folienbildplatzhalter 1"/>
+          <p:cNvSpPr>
+            <a:spLocks noGrp="1" noRot="1" noChangeAspect="1"/>
+          </p:cNvSpPr>
+          <p:nvPr>
+            <p:ph type="sldImg"/>
+          </p:nvPr>
+        </p:nvSpPr>
+        <p:spPr>
+          <a:xfrm>
+            <a:off x="1108075" y="812800"/>
+            <a:ext cx="5343525" cy="4008438"/>
+          </a:xfrm>
+        </p:spPr>
+      </p:sp>
+      <p:sp>
+        <p:nvSpPr>
+          <p:cNvPr id="3" name="Notizenplatzhalter 2"/>
+          <p:cNvSpPr>
+            <a:spLocks noGrp="1"/>
+          </p:cNvSpPr>
+          <p:nvPr>
+            <p:ph type="body" idx="1"/>
+          </p:nvPr>
+        </p:nvSpPr>
+        <p:spPr/>
+        <p:txBody>
+          <a:bodyPr/>
+          <a:lstStyle/>
+          <a:p>
+            <a:endParaRPr lang="de-DE" dirty="0"/>
+          </a:p>
+        </p:txBody>
+      </p:sp>
+      <p:sp>
+        <p:nvSpPr>
+          <p:cNvPr id="4" name="Foliennummernplatzhalter 3"/>
+          <p:cNvSpPr>
+            <a:spLocks noGrp="1"/>
+          </p:cNvSpPr>
+          <p:nvPr>
+            <p:ph type="sldNum"/>
+          </p:nvPr>
+        </p:nvSpPr>
+        <p:spPr/>
+        <p:txBody>
+          <a:bodyPr/>
+          <a:lstStyle/>
+          <a:p>
+            <a:pPr algn="r"/>
+            <a:fld id="{C0A20F01-AA2E-48F1-9CFE-D0124BC9F79A}" type="slidenum">
+              <a:rPr lang="de-DE" sz="1400" b="0" strike="noStrike" spc="-1" smtClean="0">
+                <a:latin typeface="Times New Roman"/>
+              </a:rPr>
+              <a:t>10</a:t>
+            </a:fld>
+            <a:endParaRPr lang="de-DE" sz="1400" b="0" strike="noStrike" spc="-1">
+              <a:latin typeface="Times New Roman"/>
+            </a:endParaRPr>
+          </a:p>
+        </p:txBody>
+      </p:sp>
+    </p:spTree>
+    <p:extLst>
+      <p:ext uri="{BB962C8B-B14F-4D97-AF65-F5344CB8AC3E}">
+        <p14:creationId xmlns:p14="http://schemas.microsoft.com/office/powerpoint/2010/main" val="1938057731"/>
+      </p:ext>
+    </p:extLst>
+  </p:cSld>
+  <p:clrMapOvr>
+    <a:masterClrMapping/>
+  </p:clrMapOvr>
+</p:notes>
+</file>
+
+<file path=ppt/notesSlides/notesSlide2.xml><?xml version="1.0" encoding="utf-8"?>
+<p:notes xmlns:a="http://schemas.openxmlformats.org/drawingml/2006/main" xmlns:r="http://schemas.openxmlformats.org/officeDocument/2006/relationships" xmlns:p="http://schemas.openxmlformats.org/presentationml/2006/main">
+  <p:cSld>
+    <p:spTree>
+      <p:nvGrpSpPr>
+        <p:cNvPr id="1" name=""/>
+        <p:cNvGrpSpPr/>
+        <p:nvPr/>
+      </p:nvGrpSpPr>
+      <p:grpSpPr>
+        <a:xfrm>
+          <a:off x="0" y="0"/>
+          <a:ext cx="0" cy="0"/>
+          <a:chOff x="0" y="0"/>
+          <a:chExt cx="0" cy="0"/>
+        </a:xfrm>
+      </p:grpSpPr>
+      <p:sp>
+        <p:nvSpPr>
+          <p:cNvPr id="2" name="Folienbildplatzhalter 1"/>
+          <p:cNvSpPr>
+            <a:spLocks noGrp="1" noRot="1" noChangeAspect="1"/>
+          </p:cNvSpPr>
+          <p:nvPr>
+            <p:ph type="sldImg"/>
+          </p:nvPr>
+        </p:nvSpPr>
+        <p:spPr>
+          <a:xfrm>
+            <a:off x="1108075" y="812800"/>
+            <a:ext cx="5343525" cy="4008438"/>
+          </a:xfrm>
+        </p:spPr>
+      </p:sp>
+      <p:sp>
+        <p:nvSpPr>
+          <p:cNvPr id="3" name="Notizenplatzhalter 2"/>
+          <p:cNvSpPr>
+            <a:spLocks noGrp="1"/>
+          </p:cNvSpPr>
+          <p:nvPr>
+            <p:ph type="body" idx="1"/>
+          </p:nvPr>
+        </p:nvSpPr>
+        <p:spPr/>
+        <p:txBody>
+          <a:bodyPr/>
+          <a:lstStyle/>
+          <a:p>
+            <a:r>
+              <a:rPr lang="de-DE" sz="1200" kern="1200" dirty="0">
+                <a:solidFill>
+                  <a:schemeClr val="tx1"/>
+                </a:solidFill>
+                <a:effectLst/>
+                <a:latin typeface="+mn-lt"/>
+                <a:ea typeface="+mn-ea"/>
+                <a:cs typeface="+mn-cs"/>
+              </a:rPr>
+              <a:t>Samstag noch Christi Himmelfahrt und Pfingstbrückentag --&gt; deshalb Ferien 1 und nach </a:t>
+            </a:r>
+            <a:r>
+              <a:rPr lang="de-DE" sz="1200" kern="1200" dirty="0" err="1">
+                <a:solidFill>
+                  <a:schemeClr val="tx1"/>
+                </a:solidFill>
+                <a:effectLst/>
+                <a:latin typeface="+mn-lt"/>
+                <a:ea typeface="+mn-ea"/>
+                <a:cs typeface="+mn-cs"/>
+              </a:rPr>
+              <a:t>feiertag</a:t>
+            </a:r>
+            <a:r>
+              <a:rPr lang="de-DE" sz="1200" kern="1200" dirty="0">
+                <a:solidFill>
+                  <a:schemeClr val="tx1"/>
+                </a:solidFill>
+                <a:effectLst/>
+                <a:latin typeface="+mn-lt"/>
+                <a:ea typeface="+mn-ea"/>
+                <a:cs typeface="+mn-cs"/>
+              </a:rPr>
+              <a:t> 1</a:t>
+            </a:r>
+          </a:p>
+          <a:p>
+            <a:endParaRPr lang="de-DE" sz="1200" kern="1200" dirty="0">
+              <a:solidFill>
+                <a:schemeClr val="tx1"/>
+              </a:solidFill>
+              <a:effectLst/>
+              <a:latin typeface="+mn-lt"/>
+              <a:ea typeface="+mn-ea"/>
+              <a:cs typeface="+mn-cs"/>
+            </a:endParaRPr>
+          </a:p>
+          <a:p>
+            <a:r>
+              <a:rPr lang="de-DE" sz="1200" kern="1200" dirty="0">
+                <a:solidFill>
+                  <a:schemeClr val="tx1"/>
+                </a:solidFill>
+                <a:effectLst/>
+                <a:latin typeface="+mn-lt"/>
+                <a:ea typeface="+mn-ea"/>
+                <a:cs typeface="+mn-cs"/>
+              </a:rPr>
+              <a:t>Regularisierung</a:t>
+            </a:r>
+          </a:p>
+          <a:p>
+            <a:endParaRPr lang="de-DE" sz="1200" kern="1200" dirty="0">
+              <a:solidFill>
+                <a:schemeClr val="tx1"/>
+              </a:solidFill>
+              <a:effectLst/>
+              <a:latin typeface="+mn-lt"/>
+              <a:ea typeface="+mn-ea"/>
+              <a:cs typeface="+mn-cs"/>
+            </a:endParaRPr>
+          </a:p>
+          <a:p>
+            <a:r>
+              <a:rPr lang="de-DE" sz="1200" kern="1200" dirty="0">
+                <a:solidFill>
+                  <a:schemeClr val="tx1"/>
+                </a:solidFill>
+                <a:effectLst/>
+                <a:latin typeface="+mn-lt"/>
+                <a:ea typeface="+mn-ea"/>
+                <a:cs typeface="+mn-cs"/>
+              </a:rPr>
+              <a:t>Fazit: Lage, Kundenbefragungen, individuelles </a:t>
+            </a:r>
+            <a:r>
+              <a:rPr lang="de-DE" sz="1200" kern="1200" dirty="0" err="1">
+                <a:solidFill>
+                  <a:schemeClr val="tx1"/>
+                </a:solidFill>
+                <a:effectLst/>
+                <a:latin typeface="+mn-lt"/>
+                <a:ea typeface="+mn-ea"/>
+                <a:cs typeface="+mn-cs"/>
+              </a:rPr>
+              <a:t>model</a:t>
+            </a:r>
+            <a:r>
+              <a:rPr lang="de-DE" sz="1200" kern="1200" dirty="0">
+                <a:solidFill>
+                  <a:schemeClr val="tx1"/>
+                </a:solidFill>
+                <a:effectLst/>
+                <a:latin typeface="+mn-lt"/>
+                <a:ea typeface="+mn-ea"/>
+                <a:cs typeface="+mn-cs"/>
+              </a:rPr>
+              <a:t> und Variablen </a:t>
+            </a:r>
+            <a:r>
+              <a:rPr lang="de-DE" sz="1200" kern="1200">
+                <a:solidFill>
+                  <a:schemeClr val="tx1"/>
+                </a:solidFill>
+                <a:effectLst/>
+                <a:latin typeface="+mn-lt"/>
+                <a:ea typeface="+mn-ea"/>
+                <a:cs typeface="+mn-cs"/>
+              </a:rPr>
+              <a:t>je Warengruppe</a:t>
+            </a:r>
+            <a:endParaRPr lang="de-DE" dirty="0"/>
+          </a:p>
+        </p:txBody>
+      </p:sp>
+      <p:sp>
+        <p:nvSpPr>
+          <p:cNvPr id="4" name="Foliennummernplatzhalter 3"/>
+          <p:cNvSpPr>
+            <a:spLocks noGrp="1"/>
+          </p:cNvSpPr>
+          <p:nvPr>
+            <p:ph type="sldNum"/>
+          </p:nvPr>
+        </p:nvSpPr>
+        <p:spPr/>
+        <p:txBody>
+          <a:bodyPr/>
+          <a:lstStyle/>
+          <a:p>
+            <a:pPr algn="r"/>
+            <a:fld id="{C0A20F01-AA2E-48F1-9CFE-D0124BC9F79A}" type="slidenum">
+              <a:rPr lang="de-DE" sz="1400" b="0" strike="noStrike" spc="-1" smtClean="0">
+                <a:latin typeface="Times New Roman"/>
+              </a:rPr>
+              <a:t>12</a:t>
+            </a:fld>
+            <a:endParaRPr lang="de-DE" sz="1400" b="0" strike="noStrike" spc="-1">
+              <a:latin typeface="Times New Roman"/>
+            </a:endParaRPr>
+          </a:p>
+        </p:txBody>
+      </p:sp>
+    </p:spTree>
+    <p:extLst>
+      <p:ext uri="{BB962C8B-B14F-4D97-AF65-F5344CB8AC3E}">
+        <p14:creationId xmlns:p14="http://schemas.microsoft.com/office/powerpoint/2010/main" val="2274364722"/>
+      </p:ext>
+    </p:extLst>
+  </p:cSld>
+  <p:clrMapOvr>
+    <a:masterClrMapping/>
+  </p:clrMapOvr>
+</p:notes>
 </file>
 
 <file path=ppt/slideLayouts/slideLayout1.xml><?xml version="1.0" encoding="utf-8"?>
@@ -6646,7 +6964,7 @@
           <a:lstStyle/>
           <a:p>
             <a:r>
-              <a:rPr lang="de-DE" sz="6600" b="1" spc="-1" dirty="0">
+              <a:rPr lang="de-DE" sz="4000" b="1" spc="-1" dirty="0">
                 <a:solidFill>
                   <a:srgbClr val="EBEBEB"/>
                 </a:solidFill>
@@ -6654,7 +6972,7 @@
               </a:rPr>
               <a:t>Einführung in Data Science &amp; maschinelles Lernen mit R</a:t>
             </a:r>
-            <a:endParaRPr lang="de-DE" sz="6600" dirty="0"/>
+            <a:endParaRPr lang="de-DE" sz="4000" dirty="0"/>
           </a:p>
         </p:txBody>
       </p:sp>
@@ -6674,10 +6992,15 @@
             <p:ph type="subTitle" idx="1"/>
           </p:nvPr>
         </p:nvSpPr>
-        <p:spPr/>
+        <p:spPr>
+          <a:xfrm>
+            <a:off x="866442" y="4777380"/>
+            <a:ext cx="6620968" cy="1197292"/>
+          </a:xfrm>
+        </p:spPr>
         <p:txBody>
           <a:bodyPr>
-            <a:normAutofit fontScale="47500" lnSpcReduction="20000"/>
+            <a:normAutofit/>
           </a:bodyPr>
           <a:lstStyle/>
           <a:p>
@@ -6687,7 +7010,7 @@
               </a:lnSpc>
             </a:pPr>
             <a:r>
-              <a:rPr lang="de-DE" sz="3200" spc="-1" dirty="0">
+              <a:rPr lang="de-DE" sz="1600" spc="-1" dirty="0">
                 <a:solidFill>
                   <a:srgbClr val="ACD433"/>
                 </a:solidFill>
@@ -6695,7 +7018,7 @@
               </a:rPr>
               <a:t>Umsatzschätzung eines Bäckereibetriebes in der Region Kiel</a:t>
             </a:r>
-            <a:endParaRPr lang="de-DE" sz="3200" spc="-1" dirty="0">
+            <a:endParaRPr lang="de-DE" sz="1600" spc="-1" dirty="0">
               <a:latin typeface="Arial"/>
             </a:endParaRPr>
           </a:p>
@@ -6709,7 +7032,7 @@
               </a:spcBef>
             </a:pPr>
             <a:r>
-              <a:rPr lang="de-DE" spc="-1" dirty="0">
+              <a:rPr lang="de-DE" sz="1100" spc="-1" dirty="0">
                 <a:solidFill>
                   <a:srgbClr val="FFFFFF"/>
                 </a:solidFill>
@@ -6718,7 +7041,7 @@
               <a:t>Studierende: Merle </a:t>
             </a:r>
             <a:r>
-              <a:rPr lang="de-DE" spc="-1" dirty="0" err="1">
+              <a:rPr lang="de-DE" sz="1100" spc="-1" dirty="0" err="1">
                 <a:solidFill>
                   <a:srgbClr val="FFFFFF"/>
                 </a:solidFill>
@@ -6727,7 +7050,7 @@
               <a:t>Oelbüttel</a:t>
             </a:r>
             <a:r>
-              <a:rPr lang="de-DE" spc="-1" dirty="0">
+              <a:rPr lang="de-DE" sz="1100" spc="-1" dirty="0">
                 <a:solidFill>
                   <a:srgbClr val="FFFFFF"/>
                 </a:solidFill>
@@ -6735,7 +7058,7 @@
               </a:rPr>
               <a:t>, Cynthia Aurich und Tobias Lindenau</a:t>
             </a:r>
-            <a:endParaRPr lang="de-DE" spc="-1" dirty="0">
+            <a:endParaRPr lang="de-DE" sz="1100" spc="-1" dirty="0">
               <a:latin typeface="Arial"/>
             </a:endParaRPr>
           </a:p>
@@ -6749,7 +7072,7 @@
               </a:spcBef>
             </a:pPr>
             <a:r>
-              <a:rPr lang="de-DE" spc="-1" dirty="0">
+              <a:rPr lang="de-DE" sz="1100" spc="-1" dirty="0">
                 <a:solidFill>
                   <a:srgbClr val="FFFFFF"/>
                 </a:solidFill>
@@ -6757,12 +7080,12 @@
               </a:rPr>
               <a:t>Dozent: Steffen Brandt</a:t>
             </a:r>
-            <a:endParaRPr lang="de-DE" spc="-1" dirty="0">
+            <a:endParaRPr lang="de-DE" sz="1100" spc="-1" dirty="0">
               <a:latin typeface="Arial"/>
             </a:endParaRPr>
           </a:p>
           <a:p>
-            <a:endParaRPr lang="de-DE" dirty="0"/>
+            <a:endParaRPr lang="de-DE" sz="1100" dirty="0"/>
           </a:p>
         </p:txBody>
       </p:sp>
@@ -8750,14 +9073,14 @@
           <p:nvPr>
             <p:extLst>
               <p:ext uri="{D42A27DB-BD31-4B8C-83A1-F6EECF244321}">
-                <p14:modId xmlns:p14="http://schemas.microsoft.com/office/powerpoint/2010/main" val="2311261449"/>
+                <p14:modId xmlns:p14="http://schemas.microsoft.com/office/powerpoint/2010/main" val="3695883015"/>
               </p:ext>
             </p:extLst>
           </p:nvPr>
         </p:nvGraphicFramePr>
         <p:xfrm>
           <a:off x="1114200" y="2568960"/>
-          <a:ext cx="7140600" cy="3148800"/>
+          <a:ext cx="7140600" cy="3169920"/>
         </p:xfrm>
         <a:graphic>
           <a:graphicData uri="http://schemas.openxmlformats.org/drawingml/2006/table">
@@ -8792,13 +9115,13 @@
                     <a:bodyPr/>
                     <a:lstStyle/>
                     <a:p>
-                      <a:pPr>
+                      <a:pPr algn="ctr">
                         <a:lnSpc>
                           <a:spcPct val="100000"/>
                         </a:lnSpc>
                       </a:pPr>
                       <a:r>
-                        <a:rPr lang="de-DE" sz="2000" b="0" strike="noStrike" spc="-1">
+                        <a:rPr lang="de-DE" sz="2000" b="0" strike="noStrike" spc="-1" dirty="0">
                           <a:latin typeface="Arial"/>
                         </a:rPr>
                         <a:t>Warengruppe</a:t>
@@ -8836,8 +9159,9 @@
                     <a:bodyPr/>
                     <a:lstStyle/>
                     <a:p>
+                      <a:pPr algn="ctr"/>
                       <a:r>
-                        <a:rPr lang="de-DE" sz="1800" b="0" strike="noStrike" spc="-1">
+                        <a:rPr lang="de-DE" sz="1800" b="0" strike="noStrike" spc="-1" dirty="0">
                           <a:latin typeface="Arial"/>
                         </a:rPr>
                         <a:t>Vorhergesagte Werte</a:t>
@@ -8875,7 +9199,7 @@
                     <a:bodyPr/>
                     <a:lstStyle/>
                     <a:p>
-                      <a:pPr>
+                      <a:pPr algn="ctr">
                         <a:lnSpc>
                           <a:spcPct val="100000"/>
                         </a:lnSpc>
@@ -8986,13 +9310,13 @@
                     <a:bodyPr/>
                     <a:lstStyle/>
                     <a:p>
-                      <a:pPr algn="r">
+                      <a:pPr algn="l">
                         <a:lnSpc>
                           <a:spcPct val="100000"/>
                         </a:lnSpc>
                       </a:pPr>
                       <a:r>
-                        <a:rPr lang="de-DE" sz="2000" b="0" strike="noStrike" spc="-1">
+                        <a:rPr lang="de-DE" sz="2000" b="0" strike="noStrike" spc="-1" dirty="0">
                           <a:solidFill>
                             <a:srgbClr val="000000"/>
                           </a:solidFill>
@@ -9001,7 +9325,7 @@
                         </a:rPr>
                         <a:t>1 Brot</a:t>
                       </a:r>
-                      <a:endParaRPr lang="de-DE" sz="2000" b="0" strike="noStrike" spc="-1">
+                      <a:endParaRPr lang="de-DE" sz="2000" b="0" strike="noStrike" spc="-1" dirty="0">
                         <a:latin typeface="Arial"/>
                       </a:endParaRPr>
                     </a:p>
@@ -9037,22 +9361,22 @@
                     <a:bodyPr/>
                     <a:lstStyle/>
                     <a:p>
-                      <a:pPr algn="r">
+                      <a:pPr algn="ctr">
                         <a:lnSpc>
                           <a:spcPct val="100000"/>
                         </a:lnSpc>
                       </a:pPr>
                       <a:r>
-                        <a:rPr lang="de-DE" sz="2000" b="0" strike="noStrike" spc="-1">
+                        <a:rPr lang="de-DE" sz="2000" b="0" strike="noStrike" spc="-1" dirty="0">
                           <a:solidFill>
                             <a:srgbClr val="000000"/>
                           </a:solidFill>
                           <a:latin typeface="Arial"/>
                           <a:ea typeface="DejaVu Sans"/>
                         </a:rPr>
-                        <a:t>161.43988</a:t>
+                        <a:t>161.43 €</a:t>
                       </a:r>
-                      <a:endParaRPr lang="de-DE" sz="2000" b="0" strike="noStrike" spc="-1">
+                      <a:endParaRPr lang="de-DE" sz="2000" b="0" strike="noStrike" spc="-1" dirty="0">
                         <a:latin typeface="Arial"/>
                       </a:endParaRPr>
                     </a:p>
@@ -9088,13 +9412,13 @@
                     <a:bodyPr/>
                     <a:lstStyle/>
                     <a:p>
-                      <a:pPr algn="r">
+                      <a:pPr algn="ctr">
                         <a:lnSpc>
                           <a:spcPct val="100000"/>
                         </a:lnSpc>
                       </a:pPr>
                       <a:r>
-                        <a:rPr lang="de-DE" sz="2000" b="0" strike="noStrike" spc="-1">
+                        <a:rPr lang="de-DE" sz="2000" b="0" strike="noStrike" spc="-1" dirty="0">
                           <a:solidFill>
                             <a:srgbClr val="000000"/>
                           </a:solidFill>
@@ -9103,7 +9427,7 @@
                         </a:rPr>
                         <a:t>35.11013</a:t>
                       </a:r>
-                      <a:endParaRPr lang="de-DE" sz="2000" b="0" strike="noStrike" spc="-1">
+                      <a:endParaRPr lang="de-DE" sz="2000" b="0" strike="noStrike" spc="-1" dirty="0">
                         <a:latin typeface="Times New Roman"/>
                       </a:endParaRPr>
                     </a:p>
@@ -9146,13 +9470,13 @@
                     <a:bodyPr/>
                     <a:lstStyle/>
                     <a:p>
-                      <a:pPr algn="r">
+                      <a:pPr algn="l">
                         <a:lnSpc>
                           <a:spcPct val="100000"/>
                         </a:lnSpc>
                       </a:pPr>
                       <a:r>
-                        <a:rPr lang="de-DE" sz="2000" b="0" strike="noStrike" spc="-1">
+                        <a:rPr lang="de-DE" sz="2000" b="0" strike="noStrike" spc="-1" dirty="0">
                           <a:solidFill>
                             <a:srgbClr val="000000"/>
                           </a:solidFill>
@@ -9161,7 +9485,7 @@
                         </a:rPr>
                         <a:t>2 Brötchen</a:t>
                       </a:r>
-                      <a:endParaRPr lang="de-DE" sz="2000" b="0" strike="noStrike" spc="-1">
+                      <a:endParaRPr lang="de-DE" sz="2000" b="0" strike="noStrike" spc="-1" dirty="0">
                         <a:latin typeface="Arial"/>
                       </a:endParaRPr>
                     </a:p>
@@ -9197,22 +9521,22 @@
                     <a:bodyPr/>
                     <a:lstStyle/>
                     <a:p>
-                      <a:pPr algn="r">
+                      <a:pPr algn="ctr">
                         <a:lnSpc>
                           <a:spcPct val="100000"/>
                         </a:lnSpc>
                       </a:pPr>
                       <a:r>
-                        <a:rPr lang="de-DE" sz="2000" b="0" strike="noStrike" spc="-1">
+                        <a:rPr lang="de-DE" sz="2000" b="0" strike="noStrike" spc="-1" dirty="0">
                           <a:solidFill>
                             <a:srgbClr val="000000"/>
                           </a:solidFill>
                           <a:latin typeface="Arial"/>
                           <a:ea typeface="DejaVu Sans"/>
                         </a:rPr>
-                        <a:t>499.90260</a:t>
+                        <a:t>499.90 €</a:t>
                       </a:r>
-                      <a:endParaRPr lang="de-DE" sz="2000" b="0" strike="noStrike" spc="-1">
+                      <a:endParaRPr lang="de-DE" sz="2000" b="0" strike="noStrike" spc="-1" dirty="0">
                         <a:latin typeface="Arial"/>
                       </a:endParaRPr>
                     </a:p>
@@ -9248,13 +9572,13 @@
                     <a:bodyPr/>
                     <a:lstStyle/>
                     <a:p>
-                      <a:pPr algn="r">
+                      <a:pPr algn="ctr">
                         <a:lnSpc>
                           <a:spcPct val="100000"/>
                         </a:lnSpc>
                       </a:pPr>
                       <a:r>
-                        <a:rPr lang="de-DE" sz="2000" b="0" strike="noStrike" spc="-1">
+                        <a:rPr lang="de-DE" sz="2000" b="0" strike="noStrike" spc="-1" dirty="0">
                           <a:solidFill>
                             <a:srgbClr val="000000"/>
                           </a:solidFill>
@@ -9263,7 +9587,7 @@
                         </a:rPr>
                         <a:t>20223.73276</a:t>
                       </a:r>
-                      <a:endParaRPr lang="de-DE" sz="2000" b="0" strike="noStrike" spc="-1">
+                      <a:endParaRPr lang="de-DE" sz="2000" b="0" strike="noStrike" spc="-1" dirty="0">
                         <a:latin typeface="Times New Roman"/>
                       </a:endParaRPr>
                     </a:p>
@@ -9306,13 +9630,13 @@
                     <a:bodyPr/>
                     <a:lstStyle/>
                     <a:p>
-                      <a:pPr algn="r">
+                      <a:pPr algn="l">
                         <a:lnSpc>
                           <a:spcPct val="100000"/>
                         </a:lnSpc>
                       </a:pPr>
                       <a:r>
-                        <a:rPr lang="de-DE" sz="2000" b="0" strike="noStrike" spc="-1">
+                        <a:rPr lang="de-DE" sz="2000" b="0" strike="noStrike" spc="-1" dirty="0">
                           <a:solidFill>
                             <a:srgbClr val="000000"/>
                           </a:solidFill>
@@ -9321,7 +9645,7 @@
                         </a:rPr>
                         <a:t>3 Croissant</a:t>
                       </a:r>
-                      <a:endParaRPr lang="de-DE" sz="2000" b="0" strike="noStrike" spc="-1">
+                      <a:endParaRPr lang="de-DE" sz="2000" b="0" strike="noStrike" spc="-1" dirty="0">
                         <a:latin typeface="Arial"/>
                       </a:endParaRPr>
                     </a:p>
@@ -9357,22 +9681,22 @@
                     <a:bodyPr/>
                     <a:lstStyle/>
                     <a:p>
-                      <a:pPr algn="r">
+                      <a:pPr algn="ctr">
                         <a:lnSpc>
                           <a:spcPct val="100000"/>
                         </a:lnSpc>
                       </a:pPr>
                       <a:r>
-                        <a:rPr lang="de-DE" sz="2000" b="0" strike="noStrike" spc="-1">
+                        <a:rPr lang="de-DE" sz="2000" b="0" strike="noStrike" spc="-1" dirty="0">
                           <a:solidFill>
                             <a:srgbClr val="000000"/>
                           </a:solidFill>
                           <a:latin typeface="Arial"/>
                           <a:ea typeface="DejaVu Sans"/>
                         </a:rPr>
-                        <a:t>220.64598</a:t>
+                        <a:t>220.64 €</a:t>
                       </a:r>
-                      <a:endParaRPr lang="de-DE" sz="2000" b="0" strike="noStrike" spc="-1">
+                      <a:endParaRPr lang="de-DE" sz="2000" b="0" strike="noStrike" spc="-1" dirty="0">
                         <a:latin typeface="Arial"/>
                       </a:endParaRPr>
                     </a:p>
@@ -9408,13 +9732,13 @@
                     <a:bodyPr/>
                     <a:lstStyle/>
                     <a:p>
-                      <a:pPr algn="r">
+                      <a:pPr algn="ctr">
                         <a:lnSpc>
                           <a:spcPct val="100000"/>
                         </a:lnSpc>
                       </a:pPr>
                       <a:r>
-                        <a:rPr lang="de-DE" sz="2000" b="0" strike="noStrike" spc="-1">
+                        <a:rPr lang="de-DE" sz="2000" b="0" strike="noStrike" spc="-1" dirty="0">
                           <a:solidFill>
                             <a:srgbClr val="000000"/>
                           </a:solidFill>
@@ -9423,7 +9747,7 @@
                         </a:rPr>
                         <a:t>50.85232</a:t>
                       </a:r>
-                      <a:endParaRPr lang="de-DE" sz="2000" b="0" strike="noStrike" spc="-1">
+                      <a:endParaRPr lang="de-DE" sz="2000" b="0" strike="noStrike" spc="-1" dirty="0">
                         <a:latin typeface="Times New Roman"/>
                       </a:endParaRPr>
                     </a:p>
@@ -9466,13 +9790,13 @@
                     <a:bodyPr/>
                     <a:lstStyle/>
                     <a:p>
-                      <a:pPr algn="r">
+                      <a:pPr algn="l">
                         <a:lnSpc>
                           <a:spcPct val="100000"/>
                         </a:lnSpc>
                       </a:pPr>
                       <a:r>
-                        <a:rPr lang="de-DE" sz="2000" b="0" strike="noStrike" spc="-1">
+                        <a:rPr lang="de-DE" sz="2000" b="0" strike="noStrike" spc="-1" dirty="0">
                           <a:solidFill>
                             <a:srgbClr val="000000"/>
                           </a:solidFill>
@@ -9481,7 +9805,7 @@
                         </a:rPr>
                         <a:t>4 Konditorei</a:t>
                       </a:r>
-                      <a:endParaRPr lang="de-DE" sz="2000" b="0" strike="noStrike" spc="-1">
+                      <a:endParaRPr lang="de-DE" sz="2000" b="0" strike="noStrike" spc="-1" dirty="0">
                         <a:latin typeface="Arial"/>
                       </a:endParaRPr>
                     </a:p>
@@ -9517,22 +9841,22 @@
                     <a:bodyPr/>
                     <a:lstStyle/>
                     <a:p>
-                      <a:pPr algn="r">
+                      <a:pPr algn="ctr">
                         <a:lnSpc>
                           <a:spcPct val="100000"/>
                         </a:lnSpc>
                       </a:pPr>
                       <a:r>
-                        <a:rPr lang="de-DE" sz="2000" b="0" strike="noStrike" spc="-1">
+                        <a:rPr lang="de-DE" sz="2000" b="0" strike="noStrike" spc="-1" dirty="0">
                           <a:solidFill>
                             <a:srgbClr val="000000"/>
                           </a:solidFill>
                           <a:latin typeface="Arial"/>
                           <a:ea typeface="DejaVu Sans"/>
                         </a:rPr>
-                        <a:t>81.86309</a:t>
+                        <a:t>81.86 €</a:t>
                       </a:r>
-                      <a:endParaRPr lang="de-DE" sz="2000" b="0" strike="noStrike" spc="-1">
+                      <a:endParaRPr lang="de-DE" sz="2000" b="0" strike="noStrike" spc="-1" dirty="0">
                         <a:latin typeface="Arial"/>
                       </a:endParaRPr>
                     </a:p>
@@ -9568,13 +9892,13 @@
                     <a:bodyPr/>
                     <a:lstStyle/>
                     <a:p>
-                      <a:pPr algn="r">
+                      <a:pPr algn="ctr">
                         <a:lnSpc>
                           <a:spcPct val="100000"/>
                         </a:lnSpc>
                       </a:pPr>
                       <a:r>
-                        <a:rPr lang="de-DE" sz="2000" b="0" strike="noStrike" spc="-1">
+                        <a:rPr lang="de-DE" sz="2000" b="0" strike="noStrike" spc="-1" dirty="0">
                           <a:solidFill>
                             <a:srgbClr val="000000"/>
                           </a:solidFill>
@@ -9583,7 +9907,7 @@
                         </a:rPr>
                         <a:t>34.16990</a:t>
                       </a:r>
-                      <a:endParaRPr lang="de-DE" sz="2000" b="0" strike="noStrike" spc="-1">
+                      <a:endParaRPr lang="de-DE" sz="2000" b="0" strike="noStrike" spc="-1" dirty="0">
                         <a:latin typeface="Times New Roman"/>
                       </a:endParaRPr>
                     </a:p>
@@ -9626,13 +9950,13 @@
                     <a:bodyPr/>
                     <a:lstStyle/>
                     <a:p>
-                      <a:pPr algn="r">
+                      <a:pPr algn="l">
                         <a:lnSpc>
                           <a:spcPct val="100000"/>
                         </a:lnSpc>
                       </a:pPr>
                       <a:r>
-                        <a:rPr lang="de-DE" sz="2000" b="0" strike="noStrike" spc="-1">
+                        <a:rPr lang="de-DE" sz="2000" b="0" strike="noStrike" spc="-1" dirty="0">
                           <a:solidFill>
                             <a:srgbClr val="000000"/>
                           </a:solidFill>
@@ -9641,7 +9965,7 @@
                         </a:rPr>
                         <a:t>5 Kuchen</a:t>
                       </a:r>
-                      <a:endParaRPr lang="de-DE" sz="2000" b="0" strike="noStrike" spc="-1">
+                      <a:endParaRPr lang="de-DE" sz="2000" b="0" strike="noStrike" spc="-1" dirty="0">
                         <a:latin typeface="Arial"/>
                       </a:endParaRPr>
                     </a:p>
@@ -9677,22 +10001,22 @@
                     <a:bodyPr/>
                     <a:lstStyle/>
                     <a:p>
-                      <a:pPr algn="r">
+                      <a:pPr algn="ctr">
                         <a:lnSpc>
                           <a:spcPct val="100000"/>
                         </a:lnSpc>
                       </a:pPr>
                       <a:r>
-                        <a:rPr lang="de-DE" sz="2000" b="0" strike="noStrike" spc="-1">
+                        <a:rPr lang="de-DE" sz="2000" b="0" strike="noStrike" spc="-1" dirty="0">
                           <a:solidFill>
                             <a:srgbClr val="000000"/>
                           </a:solidFill>
                           <a:latin typeface="Arial"/>
                           <a:ea typeface="DejaVu Sans"/>
                         </a:rPr>
-                        <a:t>312.60718</a:t>
+                        <a:t>312.60 €</a:t>
                       </a:r>
-                      <a:endParaRPr lang="de-DE" sz="2000" b="0" strike="noStrike" spc="-1">
+                      <a:endParaRPr lang="de-DE" sz="2000" b="0" strike="noStrike" spc="-1" dirty="0">
                         <a:latin typeface="Arial"/>
                       </a:endParaRPr>
                     </a:p>
@@ -9728,13 +10052,13 @@
                     <a:bodyPr/>
                     <a:lstStyle/>
                     <a:p>
-                      <a:pPr algn="r">
+                      <a:pPr algn="ctr">
                         <a:lnSpc>
                           <a:spcPct val="100000"/>
                         </a:lnSpc>
                       </a:pPr>
                       <a:r>
-                        <a:rPr lang="de-DE" sz="2000" b="0" strike="noStrike" spc="-1">
+                        <a:rPr lang="de-DE" sz="2000" b="0" strike="noStrike" spc="-1" dirty="0">
                           <a:solidFill>
                             <a:srgbClr val="000000"/>
                           </a:solidFill>
@@ -9743,7 +10067,7 @@
                         </a:rPr>
                         <a:t>123.25175</a:t>
                       </a:r>
-                      <a:endParaRPr lang="de-DE" sz="2000" b="0" strike="noStrike" spc="-1">
+                      <a:endParaRPr lang="de-DE" sz="2000" b="0" strike="noStrike" spc="-1" dirty="0">
                         <a:latin typeface="Times New Roman"/>
                       </a:endParaRPr>
                     </a:p>
@@ -9786,13 +10110,13 @@
                     <a:bodyPr/>
                     <a:lstStyle/>
                     <a:p>
-                      <a:pPr algn="r">
+                      <a:pPr algn="l">
                         <a:lnSpc>
                           <a:spcPct val="100000"/>
                         </a:lnSpc>
                       </a:pPr>
                       <a:r>
-                        <a:rPr lang="de-DE" sz="2000" b="0" strike="noStrike" spc="-1">
+                        <a:rPr lang="de-DE" sz="2000" b="0" strike="noStrike" spc="-1" dirty="0">
                           <a:solidFill>
                             <a:srgbClr val="000000"/>
                           </a:solidFill>
@@ -9801,7 +10125,7 @@
                         </a:rPr>
                         <a:t>6 Saisonbrot</a:t>
                       </a:r>
-                      <a:endParaRPr lang="de-DE" sz="2000" b="0" strike="noStrike" spc="-1">
+                      <a:endParaRPr lang="de-DE" sz="2000" b="0" strike="noStrike" spc="-1" dirty="0">
                         <a:latin typeface="Arial"/>
                       </a:endParaRPr>
                     </a:p>
@@ -9837,22 +10161,22 @@
                     <a:bodyPr/>
                     <a:lstStyle/>
                     <a:p>
-                      <a:pPr algn="r">
+                      <a:pPr algn="ctr">
                         <a:lnSpc>
                           <a:spcPct val="100000"/>
                         </a:lnSpc>
                       </a:pPr>
                       <a:r>
-                        <a:rPr lang="de-DE" sz="2000" b="0" strike="noStrike" spc="-1">
+                        <a:rPr lang="de-DE" sz="2000" b="0" strike="noStrike" spc="-1" dirty="0">
                           <a:solidFill>
                             <a:srgbClr val="000000"/>
                           </a:solidFill>
                           <a:latin typeface="Arial"/>
                           <a:ea typeface="DejaVu Sans"/>
                         </a:rPr>
-                        <a:t>1.00131</a:t>
+                        <a:t>1.00 €</a:t>
                       </a:r>
-                      <a:endParaRPr lang="de-DE" sz="2000" b="0" strike="noStrike" spc="-1">
+                      <a:endParaRPr lang="de-DE" sz="2000" b="0" strike="noStrike" spc="-1" dirty="0">
                         <a:latin typeface="Arial"/>
                       </a:endParaRPr>
                     </a:p>
@@ -9888,13 +10212,13 @@
                     <a:bodyPr/>
                     <a:lstStyle/>
                     <a:p>
-                      <a:pPr algn="r">
+                      <a:pPr algn="ctr">
                         <a:lnSpc>
                           <a:spcPct val="100000"/>
                         </a:lnSpc>
                       </a:pPr>
                       <a:r>
-                        <a:rPr lang="de-DE" sz="2000" b="0" strike="noStrike" spc="-1">
+                        <a:rPr lang="de-DE" sz="2000" b="0" strike="noStrike" spc="-1" dirty="0">
                           <a:solidFill>
                             <a:srgbClr val="000000"/>
                           </a:solidFill>
@@ -9903,7 +10227,7 @@
                         </a:rPr>
                         <a:t>27.52526</a:t>
                       </a:r>
-                      <a:endParaRPr lang="de-DE" sz="2000" b="0" strike="noStrike" spc="-1">
+                      <a:endParaRPr lang="de-DE" sz="2000" b="0" strike="noStrike" spc="-1" dirty="0">
                         <a:latin typeface="Times New Roman"/>
                       </a:endParaRPr>
                     </a:p>
@@ -9946,13 +10270,14 @@
                     <a:bodyPr/>
                     <a:lstStyle/>
                     <a:p>
-                      <a:pPr algn="r"/>
+                      <a:pPr algn="l"/>
                       <a:r>
-                        <a:rPr lang="de-DE" sz="1800" b="0" strike="noStrike" spc="-1" dirty="0">
+                        <a:rPr lang="de-DE" sz="2000" b="0" strike="noStrike" kern="1200" spc="-1" dirty="0">
                           <a:solidFill>
-                            <a:schemeClr val="bg1"/>
+                            <a:srgbClr val="000000"/>
                           </a:solidFill>
                           <a:latin typeface="Arial"/>
+                          <a:cs typeface="+mn-cs"/>
                         </a:rPr>
                         <a:t>Gesamtumsatz</a:t>
                       </a:r>
@@ -9989,15 +10314,16 @@
                     <a:bodyPr/>
                     <a:lstStyle/>
                     <a:p>
-                      <a:pPr algn="r"/>
+                      <a:pPr algn="ctr"/>
                       <a:r>
-                        <a:rPr lang="de-DE" sz="1800" b="0" strike="noStrike" spc="-1" dirty="0">
+                        <a:rPr lang="de-DE" sz="2000" b="0" strike="noStrike" kern="1200" spc="-1" dirty="0">
                           <a:solidFill>
-                            <a:schemeClr val="bg1"/>
+                            <a:srgbClr val="000000"/>
                           </a:solidFill>
                           <a:latin typeface="Arial"/>
+                          <a:cs typeface="+mn-cs"/>
                         </a:rPr>
-                        <a:t>1277.46</a:t>
+                        <a:t>1277.46 €</a:t>
                       </a:r>
                     </a:p>
                   </a:txBody>
@@ -10032,6 +10358,7 @@
                     <a:bodyPr/>
                     <a:lstStyle/>
                     <a:p>
+                      <a:pPr algn="ctr"/>
                       <a:endParaRPr lang="de-DE" dirty="0"/>
                     </a:p>
                   </a:txBody>
@@ -10111,8 +10438,8 @@
         </p:nvSpPr>
         <p:spPr>
           <a:xfrm>
-            <a:off x="288000" y="504000"/>
-            <a:ext cx="7113240" cy="657720"/>
+            <a:off x="287999" y="504000"/>
+            <a:ext cx="7364551" cy="657720"/>
           </a:xfrm>
           <a:prstGeom prst="rect">
             <a:avLst/>
@@ -10135,7 +10462,7 @@
                 </a:solidFill>
                 <a:latin typeface="Arial"/>
               </a:rPr>
-              <a:t>Vorhergesagte Werte für 01.06</a:t>
+              <a:t>Vorhergesagter Umsatz für den 01.06.2019</a:t>
             </a:r>
             <a:endParaRPr lang="de-DE" sz="4000" b="0" strike="noStrike" spc="-1" dirty="0">
               <a:latin typeface="Arial"/>
@@ -11696,124 +12023,12 @@
           </a:ln>
         </p:spPr>
       </p:pic>
-    </p:spTree>
-  </p:cSld>
-  <p:clrMapOvr>
-    <a:masterClrMapping/>
-  </p:clrMapOvr>
-</p:sld>
-</file>
-
-<file path=ppt/slides/slide9.xml><?xml version="1.0" encoding="utf-8"?>
-<p:sld xmlns:a="http://schemas.openxmlformats.org/drawingml/2006/main" xmlns:r="http://schemas.openxmlformats.org/officeDocument/2006/relationships" xmlns:p="http://schemas.openxmlformats.org/presentationml/2006/main">
-  <p:cSld>
-    <p:spTree>
-      <p:nvGrpSpPr>
-        <p:cNvPr id="1" name=""/>
-        <p:cNvGrpSpPr/>
-        <p:nvPr/>
-      </p:nvGrpSpPr>
-      <p:grpSpPr>
-        <a:xfrm>
-          <a:off x="0" y="0"/>
-          <a:ext cx="0" cy="0"/>
-          <a:chOff x="0" y="0"/>
-          <a:chExt cx="0" cy="0"/>
-        </a:xfrm>
-      </p:grpSpPr>
-      <p:sp>
-        <p:nvSpPr>
-          <p:cNvPr id="262" name="CustomShape 2"/>
-          <p:cNvSpPr/>
-          <p:nvPr/>
-        </p:nvSpPr>
-        <p:spPr>
-          <a:xfrm>
-            <a:off x="7766280" y="295560"/>
-            <a:ext cx="627120" cy="765720"/>
-          </a:xfrm>
-          <a:prstGeom prst="rect">
-            <a:avLst/>
-          </a:prstGeom>
-          <a:noFill/>
-          <a:ln>
-            <a:noFill/>
-          </a:ln>
-        </p:spPr>
-        <p:style>
-          <a:lnRef idx="0">
-            <a:scrgbClr r="0" g="0" b="0"/>
-          </a:lnRef>
-          <a:fillRef idx="0">
-            <a:scrgbClr r="0" g="0" b="0"/>
-          </a:fillRef>
-          <a:effectRef idx="0">
-            <a:scrgbClr r="0" g="0" b="0"/>
-          </a:effectRef>
-          <a:fontRef idx="minor"/>
-        </p:style>
-        <p:txBody>
-          <a:bodyPr lIns="90000" tIns="45000" rIns="90000" bIns="45000" anchor="b">
-            <a:noAutofit/>
-          </a:bodyPr>
-          <a:lstStyle/>
-          <a:p>
-            <a:pPr algn="ctr">
-              <a:lnSpc>
-                <a:spcPct val="100000"/>
-              </a:lnSpc>
-            </a:pPr>
-            <a:fld id="{75E67804-5F65-4BF9-93B4-C20CA838EE39}" type="slidenum">
-              <a:rPr lang="de-DE" sz="2800" b="0" strike="noStrike" spc="-1">
-                <a:solidFill>
-                  <a:srgbClr val="FFFFFF"/>
-                </a:solidFill>
-                <a:latin typeface="Century Gothic"/>
-                <a:ea typeface="Century Gothic"/>
-              </a:rPr>
-              <a:t>9</a:t>
-            </a:fld>
-            <a:endParaRPr lang="de-DE" sz="2800" b="0" strike="noStrike" spc="-1">
-              <a:latin typeface="Arial"/>
-            </a:endParaRPr>
-          </a:p>
-        </p:txBody>
-      </p:sp>
-      <p:pic>
-        <p:nvPicPr>
-          <p:cNvPr id="6" name="Grafik 216">
-            <a:extLst>
-              <a:ext uri="{FF2B5EF4-FFF2-40B4-BE49-F238E27FC236}">
-                <a16:creationId xmlns:a16="http://schemas.microsoft.com/office/drawing/2014/main" id="{F2A92865-AA73-4F48-A5B1-6548205E87BA}"/>
-              </a:ext>
-            </a:extLst>
-          </p:cNvPr>
-          <p:cNvPicPr/>
-          <p:nvPr/>
-        </p:nvPicPr>
-        <p:blipFill>
-          <a:blip r:embed="rId2"/>
-          <a:stretch/>
-        </p:blipFill>
-        <p:spPr>
-          <a:xfrm>
-            <a:off x="1002960" y="903597"/>
-            <a:ext cx="6164280" cy="3958920"/>
-          </a:xfrm>
-          <a:prstGeom prst="rect">
-            <a:avLst/>
-          </a:prstGeom>
-          <a:ln>
-            <a:noFill/>
-          </a:ln>
-        </p:spPr>
-      </p:pic>
       <p:sp>
         <p:nvSpPr>
           <p:cNvPr id="7" name="CustomShape 1">
             <a:extLst>
               <a:ext uri="{FF2B5EF4-FFF2-40B4-BE49-F238E27FC236}">
-                <a16:creationId xmlns:a16="http://schemas.microsoft.com/office/drawing/2014/main" id="{E2D5787D-F82A-41C6-84F3-5AEFB04DD0B0}"/>
+                <a16:creationId xmlns:a16="http://schemas.microsoft.com/office/drawing/2014/main" id="{B365811C-56C6-40C6-A899-AE22E86997A2}"/>
               </a:ext>
             </a:extLst>
           </p:cNvPr>
@@ -11822,7 +12037,7 @@
         </p:nvSpPr>
         <p:spPr>
           <a:xfrm>
-            <a:off x="1002960" y="4989058"/>
+            <a:off x="484560" y="6081840"/>
             <a:ext cx="1328400" cy="644400"/>
           </a:xfrm>
           <a:prstGeom prst="rect">
@@ -11939,52 +12154,41 @@
           </a:p>
         </p:txBody>
       </p:sp>
-      <p:pic>
-        <p:nvPicPr>
-          <p:cNvPr id="8" name="Grafik 2" descr="Ein Bild, das Vogel enthält.&#10;&#10;Automatisch generierte Beschreibung">
-            <a:extLst>
-              <a:ext uri="{FF2B5EF4-FFF2-40B4-BE49-F238E27FC236}">
-                <a16:creationId xmlns:a16="http://schemas.microsoft.com/office/drawing/2014/main" id="{51DD1848-E833-4B58-8991-8A61770CDA46}"/>
-              </a:ext>
-            </a:extLst>
-          </p:cNvPr>
-          <p:cNvPicPr/>
+    </p:spTree>
+  </p:cSld>
+  <p:clrMapOvr>
+    <a:masterClrMapping/>
+  </p:clrMapOvr>
+</p:sld>
+</file>
+
+<file path=ppt/slides/slide9.xml><?xml version="1.0" encoding="utf-8"?>
+<p:sld xmlns:a="http://schemas.openxmlformats.org/drawingml/2006/main" xmlns:r="http://schemas.openxmlformats.org/officeDocument/2006/relationships" xmlns:p="http://schemas.openxmlformats.org/presentationml/2006/main">
+  <p:cSld>
+    <p:spTree>
+      <p:nvGrpSpPr>
+        <p:cNvPr id="1" name=""/>
+        <p:cNvGrpSpPr/>
+        <p:nvPr/>
+      </p:nvGrpSpPr>
+      <p:grpSpPr>
+        <a:xfrm>
+          <a:off x="0" y="0"/>
+          <a:ext cx="0" cy="0"/>
+          <a:chOff x="0" y="0"/>
+          <a:chExt cx="0" cy="0"/>
+        </a:xfrm>
+      </p:grpSpPr>
+      <p:sp>
+        <p:nvSpPr>
+          <p:cNvPr id="262" name="CustomShape 2"/>
+          <p:cNvSpPr/>
           <p:nvPr/>
-        </p:nvPicPr>
-        <p:blipFill>
-          <a:blip r:embed="rId3"/>
-          <a:srcRect l="50654" t="25968" r="21291" b="14581"/>
-          <a:stretch/>
-        </p:blipFill>
+        </p:nvSpPr>
         <p:spPr>
           <a:xfrm>
-            <a:off x="6209640" y="4895582"/>
-            <a:ext cx="957600" cy="988200"/>
-          </a:xfrm>
-          <a:prstGeom prst="rect">
-            <a:avLst/>
-          </a:prstGeom>
-          <a:ln w="9360">
-            <a:noFill/>
-          </a:ln>
-        </p:spPr>
-      </p:pic>
-      <p:sp>
-        <p:nvSpPr>
-          <p:cNvPr id="9" name="CustomShape 2">
-            <a:extLst>
-              <a:ext uri="{FF2B5EF4-FFF2-40B4-BE49-F238E27FC236}">
-                <a16:creationId xmlns:a16="http://schemas.microsoft.com/office/drawing/2014/main" id="{8E9D4583-4EDB-4436-A991-E5A8A9A03261}"/>
-              </a:ext>
-            </a:extLst>
-          </p:cNvPr>
-          <p:cNvSpPr/>
-          <p:nvPr/>
-        </p:nvSpPr>
-        <p:spPr>
-          <a:xfrm>
-            <a:off x="576000" y="5760000"/>
-            <a:ext cx="5915880" cy="345240"/>
+            <a:off x="7766280" y="295560"/>
+            <a:ext cx="627120" cy="765720"/>
           </a:xfrm>
           <a:prstGeom prst="rect">
             <a:avLst/>
@@ -12007,6 +12211,260 @@
           <a:fontRef idx="minor"/>
         </p:style>
         <p:txBody>
+          <a:bodyPr lIns="90000" tIns="45000" rIns="90000" bIns="45000" anchor="b">
+            <a:noAutofit/>
+          </a:bodyPr>
+          <a:lstStyle/>
+          <a:p>
+            <a:pPr algn="ctr">
+              <a:lnSpc>
+                <a:spcPct val="100000"/>
+              </a:lnSpc>
+            </a:pPr>
+            <a:fld id="{75E67804-5F65-4BF9-93B4-C20CA838EE39}" type="slidenum">
+              <a:rPr lang="de-DE" sz="2800" b="0" strike="noStrike" spc="-1">
+                <a:solidFill>
+                  <a:srgbClr val="FFFFFF"/>
+                </a:solidFill>
+                <a:latin typeface="Century Gothic"/>
+                <a:ea typeface="Century Gothic"/>
+              </a:rPr>
+              <a:t>9</a:t>
+            </a:fld>
+            <a:endParaRPr lang="de-DE" sz="2800" b="0" strike="noStrike" spc="-1">
+              <a:latin typeface="Arial"/>
+            </a:endParaRPr>
+          </a:p>
+        </p:txBody>
+      </p:sp>
+      <p:pic>
+        <p:nvPicPr>
+          <p:cNvPr id="6" name="Grafik 216">
+            <a:extLst>
+              <a:ext uri="{FF2B5EF4-FFF2-40B4-BE49-F238E27FC236}">
+                <a16:creationId xmlns:a16="http://schemas.microsoft.com/office/drawing/2014/main" id="{F2A92865-AA73-4F48-A5B1-6548205E87BA}"/>
+              </a:ext>
+            </a:extLst>
+          </p:cNvPr>
+          <p:cNvPicPr/>
+          <p:nvPr/>
+        </p:nvPicPr>
+        <p:blipFill>
+          <a:blip r:embed="rId2"/>
+          <a:stretch/>
+        </p:blipFill>
+        <p:spPr>
+          <a:xfrm>
+            <a:off x="1002960" y="1378374"/>
+            <a:ext cx="6164280" cy="3958920"/>
+          </a:xfrm>
+          <a:prstGeom prst="rect">
+            <a:avLst/>
+          </a:prstGeom>
+          <a:ln>
+            <a:noFill/>
+          </a:ln>
+        </p:spPr>
+      </p:pic>
+      <p:sp>
+        <p:nvSpPr>
+          <p:cNvPr id="7" name="CustomShape 1">
+            <a:extLst>
+              <a:ext uri="{FF2B5EF4-FFF2-40B4-BE49-F238E27FC236}">
+                <a16:creationId xmlns:a16="http://schemas.microsoft.com/office/drawing/2014/main" id="{E2D5787D-F82A-41C6-84F3-5AEFB04DD0B0}"/>
+              </a:ext>
+            </a:extLst>
+          </p:cNvPr>
+          <p:cNvSpPr/>
+          <p:nvPr/>
+        </p:nvSpPr>
+        <p:spPr>
+          <a:xfrm>
+            <a:off x="1002960" y="5463835"/>
+            <a:ext cx="1328400" cy="644400"/>
+          </a:xfrm>
+          <a:prstGeom prst="rect">
+            <a:avLst/>
+          </a:prstGeom>
+          <a:solidFill>
+            <a:schemeClr val="tx1"/>
+          </a:solidFill>
+          <a:ln>
+            <a:solidFill>
+              <a:schemeClr val="bg1"/>
+            </a:solidFill>
+            <a:round/>
+          </a:ln>
+        </p:spPr>
+        <p:style>
+          <a:lnRef idx="2">
+            <a:schemeClr val="accent1">
+              <a:shade val="50000"/>
+            </a:schemeClr>
+          </a:lnRef>
+          <a:fillRef idx="1">
+            <a:schemeClr val="accent1"/>
+          </a:fillRef>
+          <a:effectRef idx="0">
+            <a:schemeClr val="accent1"/>
+          </a:effectRef>
+          <a:fontRef idx="minor"/>
+        </p:style>
+        <p:txBody>
+          <a:bodyPr lIns="90000" tIns="45000" rIns="90000" bIns="45000" anchor="b">
+            <a:noAutofit/>
+          </a:bodyPr>
+          <a:lstStyle/>
+          <a:p>
+            <a:pPr algn="r">
+              <a:lnSpc>
+                <a:spcPct val="100000"/>
+              </a:lnSpc>
+            </a:pPr>
+            <a:r>
+              <a:rPr lang="de-DE" sz="900" b="1" strike="noStrike" spc="-1" dirty="0">
+                <a:solidFill>
+                  <a:srgbClr val="3B3B3B"/>
+                </a:solidFill>
+                <a:latin typeface="Lucida Sans"/>
+                <a:ea typeface="Arial"/>
+              </a:rPr>
+              <a:t>Temperaturklassen</a:t>
+            </a:r>
+            <a:endParaRPr lang="de-DE" sz="900" b="0" strike="noStrike" spc="-1" dirty="0">
+              <a:latin typeface="Arial"/>
+            </a:endParaRPr>
+          </a:p>
+          <a:p>
+            <a:pPr algn="r">
+              <a:lnSpc>
+                <a:spcPct val="100000"/>
+              </a:lnSpc>
+            </a:pPr>
+            <a:r>
+              <a:rPr lang="de-DE" sz="900" b="0" strike="noStrike" spc="-1" dirty="0">
+                <a:solidFill>
+                  <a:srgbClr val="3B3B3B"/>
+                </a:solidFill>
+                <a:latin typeface="Lucida Sans"/>
+                <a:ea typeface="Arial"/>
+              </a:rPr>
+              <a:t>Kalt &lt;10</a:t>
+            </a:r>
+            <a:endParaRPr lang="de-DE" sz="900" b="0" strike="noStrike" spc="-1" dirty="0">
+              <a:latin typeface="Arial"/>
+            </a:endParaRPr>
+          </a:p>
+          <a:p>
+            <a:pPr algn="r">
+              <a:lnSpc>
+                <a:spcPct val="100000"/>
+              </a:lnSpc>
+            </a:pPr>
+            <a:r>
+              <a:rPr lang="de-DE" sz="900" b="0" strike="noStrike" spc="-1" dirty="0">
+                <a:solidFill>
+                  <a:srgbClr val="3B3B3B"/>
+                </a:solidFill>
+                <a:latin typeface="Lucida Sans"/>
+                <a:ea typeface="Arial"/>
+              </a:rPr>
+              <a:t>Normal 10 - 20</a:t>
+            </a:r>
+            <a:endParaRPr lang="de-DE" sz="900" b="0" strike="noStrike" spc="-1" dirty="0">
+              <a:latin typeface="Arial"/>
+            </a:endParaRPr>
+          </a:p>
+          <a:p>
+            <a:pPr algn="r">
+              <a:lnSpc>
+                <a:spcPct val="100000"/>
+              </a:lnSpc>
+            </a:pPr>
+            <a:r>
+              <a:rPr lang="de-DE" sz="900" b="0" strike="noStrike" spc="-1" dirty="0">
+                <a:solidFill>
+                  <a:srgbClr val="3B3B3B"/>
+                </a:solidFill>
+                <a:latin typeface="Lucida Sans"/>
+                <a:ea typeface="Arial"/>
+              </a:rPr>
+              <a:t>Warm &gt;20</a:t>
+            </a:r>
+            <a:endParaRPr lang="de-DE" sz="900" b="0" strike="noStrike" spc="-1" dirty="0">
+              <a:latin typeface="Arial"/>
+            </a:endParaRPr>
+          </a:p>
+        </p:txBody>
+      </p:sp>
+      <p:pic>
+        <p:nvPicPr>
+          <p:cNvPr id="8" name="Grafik 2" descr="Ein Bild, das Vogel enthält.&#10;&#10;Automatisch generierte Beschreibung">
+            <a:extLst>
+              <a:ext uri="{FF2B5EF4-FFF2-40B4-BE49-F238E27FC236}">
+                <a16:creationId xmlns:a16="http://schemas.microsoft.com/office/drawing/2014/main" id="{51DD1848-E833-4B58-8991-8A61770CDA46}"/>
+              </a:ext>
+            </a:extLst>
+          </p:cNvPr>
+          <p:cNvPicPr/>
+          <p:nvPr/>
+        </p:nvPicPr>
+        <p:blipFill>
+          <a:blip r:embed="rId3"/>
+          <a:srcRect l="50654" t="25968" r="21291" b="14581"/>
+          <a:stretch/>
+        </p:blipFill>
+        <p:spPr>
+          <a:xfrm>
+            <a:off x="6209640" y="5412272"/>
+            <a:ext cx="957600" cy="988200"/>
+          </a:xfrm>
+          <a:prstGeom prst="rect">
+            <a:avLst/>
+          </a:prstGeom>
+          <a:ln w="9360">
+            <a:noFill/>
+          </a:ln>
+        </p:spPr>
+      </p:pic>
+      <p:sp>
+        <p:nvSpPr>
+          <p:cNvPr id="9" name="CustomShape 2">
+            <a:extLst>
+              <a:ext uri="{FF2B5EF4-FFF2-40B4-BE49-F238E27FC236}">
+                <a16:creationId xmlns:a16="http://schemas.microsoft.com/office/drawing/2014/main" id="{8E9D4583-4EDB-4436-A991-E5A8A9A03261}"/>
+              </a:ext>
+            </a:extLst>
+          </p:cNvPr>
+          <p:cNvSpPr/>
+          <p:nvPr/>
+        </p:nvSpPr>
+        <p:spPr>
+          <a:xfrm>
+            <a:off x="558245" y="6083082"/>
+            <a:ext cx="5915880" cy="644400"/>
+          </a:xfrm>
+          <a:prstGeom prst="rect">
+            <a:avLst/>
+          </a:prstGeom>
+          <a:noFill/>
+          <a:ln>
+            <a:noFill/>
+          </a:ln>
+        </p:spPr>
+        <p:style>
+          <a:lnRef idx="0">
+            <a:scrgbClr r="0" g="0" b="0"/>
+          </a:lnRef>
+          <a:fillRef idx="0">
+            <a:scrgbClr r="0" g="0" b="0"/>
+          </a:fillRef>
+          <a:effectRef idx="0">
+            <a:scrgbClr r="0" g="0" b="0"/>
+          </a:effectRef>
+          <a:fontRef idx="minor"/>
+        </p:style>
+        <p:txBody>
           <a:bodyPr lIns="90000" tIns="45000" rIns="90000" bIns="45000">
             <a:noAutofit/>
           </a:bodyPr>
@@ -12027,6 +12485,34 @@
             <a:endParaRPr lang="de-DE" sz="1800" b="0" strike="noStrike" spc="-1" dirty="0">
               <a:latin typeface="Arial"/>
             </a:endParaRPr>
+          </a:p>
+        </p:txBody>
+      </p:sp>
+      <p:sp>
+        <p:nvSpPr>
+          <p:cNvPr id="2" name="Titel 1">
+            <a:extLst>
+              <a:ext uri="{FF2B5EF4-FFF2-40B4-BE49-F238E27FC236}">
+                <a16:creationId xmlns:a16="http://schemas.microsoft.com/office/drawing/2014/main" id="{B6789357-2009-4676-8E6B-0BEEB25CFE54}"/>
+              </a:ext>
+            </a:extLst>
+          </p:cNvPr>
+          <p:cNvSpPr>
+            <a:spLocks noGrp="1"/>
+          </p:cNvSpPr>
+          <p:nvPr>
+            <p:ph type="title"/>
+          </p:nvPr>
+        </p:nvSpPr>
+        <p:spPr/>
+        <p:txBody>
+          <a:bodyPr/>
+          <a:lstStyle/>
+          <a:p>
+            <a:r>
+              <a:rPr lang="de-DE" dirty="0"/>
+              <a:t>Variable: Temperatur</a:t>
+            </a:r>
           </a:p>
         </p:txBody>
       </p:sp>

--- a/Daten zusammentragen für die Abgabe/Präsentation/Presentation_01.pptx
+++ b/Daten zusammentragen für die Abgabe/Präsentation/Presentation_01.pptx
@@ -612,7 +612,7 @@
                 <a:ea typeface="+mn-ea"/>
                 <a:cs typeface="+mn-cs"/>
               </a:rPr>
-              <a:t>Samstag noch Christi Himmelfahrt und Pfingstbrückentag --&gt; deshalb Ferien 1 und nach </a:t>
+              <a:t>Samstag nach Christi Himmelfahrt und Pfingstbrückentag --&gt; deshalb Ferien 1 und nach </a:t>
             </a:r>
             <a:r>
               <a:rPr lang="de-DE" sz="1200" kern="1200" dirty="0" err="1">
@@ -710,19 +710,7 @@
                 <a:ea typeface="+mn-ea"/>
                 <a:cs typeface="+mn-cs"/>
               </a:rPr>
-              <a:t> und Variablen </a:t>
-            </a:r>
-            <a:r>
-              <a:rPr lang="de-DE" sz="1200" kern="1200">
-                <a:solidFill>
-                  <a:schemeClr val="tx1"/>
-                </a:solidFill>
-                <a:effectLst/>
-                <a:latin typeface="+mn-lt"/>
-                <a:ea typeface="+mn-ea"/>
-                <a:cs typeface="+mn-cs"/>
-              </a:rPr>
-              <a:t>je Warengruppe</a:t>
+              <a:t> und Variablen je Warengruppe</a:t>
             </a:r>
             <a:endParaRPr lang="de-DE" dirty="0"/>
           </a:p>
@@ -955,7 +943,7 @@
           <a:p>
             <a:fld id="{B493CCE5-52CF-4DCD-8401-17C426B71351}" type="datetimeFigureOut">
               <a:rPr lang="de-DE" smtClean="0"/>
-              <a:t>28.01.2020</a:t>
+              <a:t>30.01.2020</a:t>
             </a:fld>
             <a:endParaRPr lang="de-DE"/>
           </a:p>
@@ -1230,7 +1218,7 @@
           <a:p>
             <a:fld id="{B493CCE5-52CF-4DCD-8401-17C426B71351}" type="datetimeFigureOut">
               <a:rPr lang="de-DE" smtClean="0"/>
-              <a:t>28.01.2020</a:t>
+              <a:t>30.01.2020</a:t>
             </a:fld>
             <a:endParaRPr lang="de-DE"/>
           </a:p>
@@ -1424,7 +1412,7 @@
           <a:p>
             <a:fld id="{B493CCE5-52CF-4DCD-8401-17C426B71351}" type="datetimeFigureOut">
               <a:rPr lang="de-DE" smtClean="0"/>
-              <a:t>28.01.2020</a:t>
+              <a:t>30.01.2020</a:t>
             </a:fld>
             <a:endParaRPr lang="de-DE"/>
           </a:p>
@@ -1697,7 +1685,7 @@
           <a:p>
             <a:fld id="{B493CCE5-52CF-4DCD-8401-17C426B71351}" type="datetimeFigureOut">
               <a:rPr lang="de-DE" smtClean="0"/>
-              <a:t>28.01.2020</a:t>
+              <a:t>30.01.2020</a:t>
             </a:fld>
             <a:endParaRPr lang="de-DE"/>
           </a:p>
@@ -2038,7 +2026,7 @@
           <a:p>
             <a:fld id="{B493CCE5-52CF-4DCD-8401-17C426B71351}" type="datetimeFigureOut">
               <a:rPr lang="de-DE" smtClean="0"/>
-              <a:t>28.01.2020</a:t>
+              <a:t>30.01.2020</a:t>
             </a:fld>
             <a:endParaRPr lang="de-DE"/>
           </a:p>
@@ -2661,7 +2649,7 @@
           <a:p>
             <a:fld id="{B493CCE5-52CF-4DCD-8401-17C426B71351}" type="datetimeFigureOut">
               <a:rPr lang="de-DE" smtClean="0"/>
-              <a:t>28.01.2020</a:t>
+              <a:t>30.01.2020</a:t>
             </a:fld>
             <a:endParaRPr lang="de-DE"/>
           </a:p>
@@ -3521,7 +3509,7 @@
           <a:p>
             <a:fld id="{B493CCE5-52CF-4DCD-8401-17C426B71351}" type="datetimeFigureOut">
               <a:rPr lang="de-DE" smtClean="0"/>
-              <a:t>28.01.2020</a:t>
+              <a:t>30.01.2020</a:t>
             </a:fld>
             <a:endParaRPr lang="de-DE"/>
           </a:p>
@@ -3691,7 +3679,7 @@
           <a:p>
             <a:fld id="{B493CCE5-52CF-4DCD-8401-17C426B71351}" type="datetimeFigureOut">
               <a:rPr lang="de-DE" smtClean="0"/>
-              <a:t>28.01.2020</a:t>
+              <a:t>30.01.2020</a:t>
             </a:fld>
             <a:endParaRPr lang="de-DE"/>
           </a:p>
@@ -3871,7 +3859,7 @@
           <a:p>
             <a:fld id="{B493CCE5-52CF-4DCD-8401-17C426B71351}" type="datetimeFigureOut">
               <a:rPr lang="de-DE" smtClean="0"/>
-              <a:t>28.01.2020</a:t>
+              <a:t>30.01.2020</a:t>
             </a:fld>
             <a:endParaRPr lang="de-DE"/>
           </a:p>
@@ -4041,7 +4029,7 @@
           <a:p>
             <a:fld id="{B493CCE5-52CF-4DCD-8401-17C426B71351}" type="datetimeFigureOut">
               <a:rPr lang="de-DE" smtClean="0"/>
-              <a:t>28.01.2020</a:t>
+              <a:t>30.01.2020</a:t>
             </a:fld>
             <a:endParaRPr lang="de-DE"/>
           </a:p>
@@ -4288,7 +4276,7 @@
           <a:p>
             <a:fld id="{B493CCE5-52CF-4DCD-8401-17C426B71351}" type="datetimeFigureOut">
               <a:rPr lang="de-DE" smtClean="0"/>
-              <a:t>28.01.2020</a:t>
+              <a:t>30.01.2020</a:t>
             </a:fld>
             <a:endParaRPr lang="de-DE"/>
           </a:p>
@@ -4580,7 +4568,7 @@
           <a:p>
             <a:fld id="{B493CCE5-52CF-4DCD-8401-17C426B71351}" type="datetimeFigureOut">
               <a:rPr lang="de-DE" smtClean="0"/>
-              <a:t>28.01.2020</a:t>
+              <a:t>30.01.2020</a:t>
             </a:fld>
             <a:endParaRPr lang="de-DE"/>
           </a:p>
@@ -5024,7 +5012,7 @@
           <a:p>
             <a:fld id="{B493CCE5-52CF-4DCD-8401-17C426B71351}" type="datetimeFigureOut">
               <a:rPr lang="de-DE" smtClean="0"/>
-              <a:t>28.01.2020</a:t>
+              <a:t>30.01.2020</a:t>
             </a:fld>
             <a:endParaRPr lang="de-DE"/>
           </a:p>
@@ -5142,7 +5130,7 @@
           <a:p>
             <a:fld id="{B493CCE5-52CF-4DCD-8401-17C426B71351}" type="datetimeFigureOut">
               <a:rPr lang="de-DE" smtClean="0"/>
-              <a:t>28.01.2020</a:t>
+              <a:t>30.01.2020</a:t>
             </a:fld>
             <a:endParaRPr lang="de-DE"/>
           </a:p>
@@ -5237,7 +5225,7 @@
           <a:p>
             <a:fld id="{B493CCE5-52CF-4DCD-8401-17C426B71351}" type="datetimeFigureOut">
               <a:rPr lang="de-DE" smtClean="0"/>
-              <a:t>28.01.2020</a:t>
+              <a:t>30.01.2020</a:t>
             </a:fld>
             <a:endParaRPr lang="de-DE"/>
           </a:p>
@@ -5516,7 +5504,7 @@
           <a:p>
             <a:fld id="{B493CCE5-52CF-4DCD-8401-17C426B71351}" type="datetimeFigureOut">
               <a:rPr lang="de-DE" smtClean="0"/>
-              <a:t>28.01.2020</a:t>
+              <a:t>30.01.2020</a:t>
             </a:fld>
             <a:endParaRPr lang="de-DE"/>
           </a:p>
@@ -5791,7 +5779,7 @@
           <a:p>
             <a:fld id="{B493CCE5-52CF-4DCD-8401-17C426B71351}" type="datetimeFigureOut">
               <a:rPr lang="de-DE" smtClean="0"/>
-              <a:t>28.01.2020</a:t>
+              <a:t>30.01.2020</a:t>
             </a:fld>
             <a:endParaRPr lang="de-DE"/>
           </a:p>
@@ -6356,7 +6344,7 @@
           <a:p>
             <a:fld id="{4AAD347D-5ACD-4C99-B74B-A9C85AD731AF}" type="datetimeFigureOut">
               <a:rPr lang="en-US" dirty="0"/>
-              <a:t>1/28/2020</a:t>
+              <a:t>1/30/2020</a:t>
             </a:fld>
             <a:endParaRPr lang="en-US" dirty="0"/>
           </a:p>
